--- a/Session1/Session1.pptx
+++ b/Session1/Session1.pptx
@@ -5,22 +5,24 @@
     <p:sldMasterId id="2147483696" r:id="rId1"/>
   </p:sldMasterIdLst>
   <p:notesMasterIdLst>
-    <p:notesMasterId r:id="rId15"/>
+    <p:notesMasterId r:id="rId17"/>
   </p:notesMasterIdLst>
   <p:sldIdLst>
     <p:sldId id="267" r:id="rId2"/>
-    <p:sldId id="257" r:id="rId3"/>
-    <p:sldId id="256" r:id="rId4"/>
-    <p:sldId id="268" r:id="rId5"/>
-    <p:sldId id="269" r:id="rId6"/>
-    <p:sldId id="260" r:id="rId7"/>
-    <p:sldId id="270" r:id="rId8"/>
-    <p:sldId id="272" r:id="rId9"/>
-    <p:sldId id="271" r:id="rId10"/>
-    <p:sldId id="261" r:id="rId11"/>
-    <p:sldId id="262" r:id="rId12"/>
-    <p:sldId id="263" r:id="rId13"/>
-    <p:sldId id="274" r:id="rId14"/>
+    <p:sldId id="282" r:id="rId3"/>
+    <p:sldId id="257" r:id="rId4"/>
+    <p:sldId id="281" r:id="rId5"/>
+    <p:sldId id="256" r:id="rId6"/>
+    <p:sldId id="268" r:id="rId7"/>
+    <p:sldId id="276" r:id="rId8"/>
+    <p:sldId id="260" r:id="rId9"/>
+    <p:sldId id="270" r:id="rId10"/>
+    <p:sldId id="271" r:id="rId11"/>
+    <p:sldId id="261" r:id="rId12"/>
+    <p:sldId id="262" r:id="rId13"/>
+    <p:sldId id="263" r:id="rId14"/>
+    <p:sldId id="283" r:id="rId15"/>
+    <p:sldId id="274" r:id="rId16"/>
   </p:sldIdLst>
   <p:sldSz cx="12192000" cy="6858000"/>
   <p:notesSz cx="6858000" cy="9144000"/>
@@ -209,7 +211,7 @@
           <a:p>
             <a:fld id="{2E95F55E-E18D-44A4-A501-026151CCBF13}" type="datetimeFigureOut">
               <a:rPr lang="en-US" smtClean="0"/>
-              <a:t>7/24/2022</a:t>
+              <a:t>8/3/2022</a:t>
             </a:fld>
             <a:endParaRPr lang="en-US" dirty="0"/>
           </a:p>
@@ -561,6 +563,90 @@
 </p:notes>
 </file>
 
+<file path=ppt/notesSlides/notesSlide2.xml><?xml version="1.0" encoding="utf-8"?>
+<p:notes xmlns:a="http://schemas.openxmlformats.org/drawingml/2006/main" xmlns:r="http://schemas.openxmlformats.org/officeDocument/2006/relationships" xmlns:p="http://schemas.openxmlformats.org/presentationml/2006/main">
+  <p:cSld>
+    <p:spTree>
+      <p:nvGrpSpPr>
+        <p:cNvPr id="1" name=""/>
+        <p:cNvGrpSpPr/>
+        <p:nvPr/>
+      </p:nvGrpSpPr>
+      <p:grpSpPr>
+        <a:xfrm>
+          <a:off x="0" y="0"/>
+          <a:ext cx="0" cy="0"/>
+          <a:chOff x="0" y="0"/>
+          <a:chExt cx="0" cy="0"/>
+        </a:xfrm>
+      </p:grpSpPr>
+      <p:sp>
+        <p:nvSpPr>
+          <p:cNvPr id="2" name="Slide Image Placeholder 1"/>
+          <p:cNvSpPr>
+            <a:spLocks noGrp="1" noRot="1" noChangeAspect="1"/>
+          </p:cNvSpPr>
+          <p:nvPr>
+            <p:ph type="sldImg"/>
+          </p:nvPr>
+        </p:nvSpPr>
+        <p:spPr/>
+      </p:sp>
+      <p:sp>
+        <p:nvSpPr>
+          <p:cNvPr id="3" name="Notes Placeholder 2"/>
+          <p:cNvSpPr>
+            <a:spLocks noGrp="1"/>
+          </p:cNvSpPr>
+          <p:nvPr>
+            <p:ph type="body" idx="1"/>
+          </p:nvPr>
+        </p:nvSpPr>
+        <p:spPr/>
+        <p:txBody>
+          <a:bodyPr/>
+          <a:lstStyle/>
+          <a:p>
+            <a:endParaRPr lang="en-US" dirty="0"/>
+          </a:p>
+        </p:txBody>
+      </p:sp>
+      <p:sp>
+        <p:nvSpPr>
+          <p:cNvPr id="4" name="Slide Number Placeholder 3"/>
+          <p:cNvSpPr>
+            <a:spLocks noGrp="1"/>
+          </p:cNvSpPr>
+          <p:nvPr>
+            <p:ph type="sldNum" sz="quarter" idx="10"/>
+          </p:nvPr>
+        </p:nvSpPr>
+        <p:spPr/>
+        <p:txBody>
+          <a:bodyPr/>
+          <a:lstStyle/>
+          <a:p>
+            <a:fld id="{3E15EA3C-9438-4681-B894-86D5EF93F54F}" type="slidenum">
+              <a:rPr lang="en-US" smtClean="0"/>
+              <a:t>2</a:t>
+            </a:fld>
+            <a:endParaRPr lang="en-US" dirty="0"/>
+          </a:p>
+        </p:txBody>
+      </p:sp>
+    </p:spTree>
+    <p:extLst>
+      <p:ext uri="{BB962C8B-B14F-4D97-AF65-F5344CB8AC3E}">
+        <p14:creationId xmlns:p14="http://schemas.microsoft.com/office/powerpoint/2010/main" val="276538155"/>
+      </p:ext>
+    </p:extLst>
+  </p:cSld>
+  <p:clrMapOvr>
+    <a:masterClrMapping/>
+  </p:clrMapOvr>
+</p:notes>
+</file>
+
 <file path=ppt/slideLayouts/slideLayout1.xml><?xml version="1.0" encoding="utf-8"?>
 <p:sldLayout xmlns:a="http://schemas.openxmlformats.org/drawingml/2006/main" xmlns:r="http://schemas.openxmlformats.org/officeDocument/2006/relationships" xmlns:p="http://schemas.openxmlformats.org/presentationml/2006/main" showMasterSp="0" type="title" preserve="1">
   <p:cSld name="Title Slide">
@@ -1014,7 +1100,7 @@
           <a:p>
             <a:fld id="{10E97FAA-4C5A-4285-AD07-291B4B3014BF}" type="datetime1">
               <a:rPr lang="en-US" smtClean="0"/>
-              <a:t>7/24/2022</a:t>
+              <a:t>8/3/2022</a:t>
             </a:fld>
             <a:endParaRPr lang="en-US" dirty="0"/>
           </a:p>
@@ -1350,7 +1436,7 @@
           <a:p>
             <a:fld id="{C441E5C9-17DB-4535-A292-04A457769DB3}" type="datetime1">
               <a:rPr lang="en-US" smtClean="0"/>
-              <a:t>7/24/2022</a:t>
+              <a:t>8/3/2022</a:t>
             </a:fld>
             <a:endParaRPr lang="en-US" dirty="0"/>
           </a:p>
@@ -1550,7 +1636,7 @@
           <a:p>
             <a:fld id="{BA0F1E10-938E-490F-AB55-3E577CECDE84}" type="datetime1">
               <a:rPr lang="en-US" smtClean="0"/>
-              <a:t>7/24/2022</a:t>
+              <a:t>8/3/2022</a:t>
             </a:fld>
             <a:endParaRPr lang="en-US" dirty="0"/>
           </a:p>
@@ -1824,7 +1910,7 @@
           <a:p>
             <a:fld id="{E8F26629-0BA3-491B-8477-4B9921BD21E8}" type="datetime1">
               <a:rPr lang="en-US" smtClean="0"/>
-              <a:t>7/24/2022</a:t>
+              <a:t>8/3/2022</a:t>
             </a:fld>
             <a:endParaRPr lang="en-US" dirty="0"/>
           </a:p>
@@ -2256,7 +2342,7 @@
           <a:p>
             <a:fld id="{12687995-36D9-43B0-83D5-21892E2C5E51}" type="datetime1">
               <a:rPr lang="en-US" smtClean="0"/>
-              <a:t>7/24/2022</a:t>
+              <a:t>8/3/2022</a:t>
             </a:fld>
             <a:endParaRPr lang="en-US" dirty="0"/>
           </a:p>
@@ -2810,7 +2896,7 @@
           <a:p>
             <a:fld id="{E8F6952F-921A-40B6-8342-6D0DF645A5F2}" type="datetime1">
               <a:rPr lang="en-US" smtClean="0"/>
-              <a:t>7/24/2022</a:t>
+              <a:t>8/3/2022</a:t>
             </a:fld>
             <a:endParaRPr lang="en-US" dirty="0"/>
           </a:p>
@@ -3604,7 +3690,7 @@
           <a:p>
             <a:fld id="{8C41B737-FF45-4113-BD8C-A8926F056772}" type="datetime1">
               <a:rPr lang="en-US" smtClean="0"/>
-              <a:t>7/24/2022</a:t>
+              <a:t>8/3/2022</a:t>
             </a:fld>
             <a:endParaRPr lang="en-US" dirty="0"/>
           </a:p>
@@ -3787,7 +3873,7 @@
           <a:p>
             <a:fld id="{6D4C5B73-AA86-4ECE-A7AE-063CB6A635D7}" type="datetime1">
               <a:rPr lang="en-US" smtClean="0"/>
-              <a:t>7/24/2022</a:t>
+              <a:t>8/3/2022</a:t>
             </a:fld>
             <a:endParaRPr lang="en-US" dirty="0"/>
           </a:p>
@@ -3975,7 +4061,7 @@
           <a:p>
             <a:fld id="{2C7F3F6A-627C-4AA7-99FA-CCCC85340D12}" type="datetime1">
               <a:rPr lang="en-US" smtClean="0"/>
-              <a:t>7/24/2022</a:t>
+              <a:t>8/3/2022</a:t>
             </a:fld>
             <a:endParaRPr lang="en-US" dirty="0"/>
           </a:p>
@@ -4154,7 +4240,7 @@
           <a:p>
             <a:fld id="{B1137791-0F10-4EE6-B467-167CA2DC4120}" type="datetime1">
               <a:rPr lang="en-US" smtClean="0"/>
-              <a:t>7/24/2022</a:t>
+              <a:t>8/3/2022</a:t>
             </a:fld>
             <a:endParaRPr lang="en-US" dirty="0"/>
           </a:p>
@@ -4408,7 +4494,7 @@
           <a:p>
             <a:fld id="{8F5B8194-DEE7-43E9-B21C-A85BBEBDA41E}" type="datetime1">
               <a:rPr lang="en-US" smtClean="0"/>
-              <a:t>7/24/2022</a:t>
+              <a:t>8/3/2022</a:t>
             </a:fld>
             <a:endParaRPr lang="en-US" dirty="0"/>
           </a:p>
@@ -4649,7 +4735,7 @@
           <a:p>
             <a:fld id="{A3D283FC-81FC-4DD4-8826-5B9134AEFD0B}" type="datetime1">
               <a:rPr lang="en-US" smtClean="0"/>
-              <a:t>7/24/2022</a:t>
+              <a:t>8/3/2022</a:t>
             </a:fld>
             <a:endParaRPr lang="en-US" dirty="0"/>
           </a:p>
@@ -5038,7 +5124,7 @@
           <a:p>
             <a:fld id="{6614CD37-E1A4-4874-9473-424319F376DA}" type="datetime1">
               <a:rPr lang="en-US" smtClean="0"/>
-              <a:t>7/24/2022</a:t>
+              <a:t>8/3/2022</a:t>
             </a:fld>
             <a:endParaRPr lang="en-US" dirty="0"/>
           </a:p>
@@ -5160,7 +5246,7 @@
           <a:p>
             <a:fld id="{32B774E7-3008-4D26-8879-100944178C46}" type="datetime1">
               <a:rPr lang="en-US" smtClean="0"/>
-              <a:t>7/24/2022</a:t>
+              <a:t>8/3/2022</a:t>
             </a:fld>
             <a:endParaRPr lang="en-US" dirty="0"/>
           </a:p>
@@ -5259,7 +5345,7 @@
           <a:p>
             <a:fld id="{C443CF59-7CE9-4B08-AD25-D448B7D081A2}" type="datetime1">
               <a:rPr lang="en-US" smtClean="0"/>
-              <a:t>7/24/2022</a:t>
+              <a:t>8/3/2022</a:t>
             </a:fld>
             <a:endParaRPr lang="en-US" dirty="0"/>
           </a:p>
@@ -5516,7 +5602,7 @@
           <a:p>
             <a:fld id="{18E49CD4-7E3A-4104-BE91-A3D027240474}" type="datetime1">
               <a:rPr lang="en-US" smtClean="0"/>
-              <a:t>7/24/2022</a:t>
+              <a:t>8/3/2022</a:t>
             </a:fld>
             <a:endParaRPr lang="en-US" dirty="0"/>
           </a:p>
@@ -5789,7 +5875,7 @@
           <a:p>
             <a:fld id="{8A3F9607-8733-4841-A86D-430A9297DA8E}" type="datetime1">
               <a:rPr lang="en-US" smtClean="0"/>
-              <a:t>7/24/2022</a:t>
+              <a:t>8/3/2022</a:t>
             </a:fld>
             <a:endParaRPr lang="en-US" dirty="0"/>
           </a:p>
@@ -6196,7 +6282,7 @@
           <a:p>
             <a:fld id="{C92F99E6-8F15-42DF-94C0-50B060EDB38E}" type="datetime1">
               <a:rPr lang="en-US" smtClean="0"/>
-              <a:t>7/24/2022</a:t>
+              <a:t>8/3/2022</a:t>
             </a:fld>
             <a:endParaRPr lang="en-US" dirty="0"/>
           </a:p>
@@ -7158,59 +7244,37 @@
           <a:p>
             <a:pPr algn="l"/>
             <a:r>
-              <a:rPr lang="en-US" dirty="0"/>
+              <a:rPr lang="en-US" cap="none" dirty="0" smtClean="0"/>
               <a:t>Evaluation Metrics</a:t>
             </a:r>
-          </a:p>
-        </p:txBody>
-      </p:sp>
-      <p:sp>
-        <p:nvSpPr>
-          <p:cNvPr id="3" name="Content Placeholder 2"/>
-          <p:cNvSpPr>
-            <a:spLocks noGrp="1"/>
-          </p:cNvSpPr>
-          <p:nvPr>
-            <p:ph sz="quarter" idx="13"/>
-          </p:nvPr>
-        </p:nvSpPr>
-        <p:spPr>
-          <a:xfrm>
-            <a:off x="970471" y="2199735"/>
-            <a:ext cx="10394707" cy="1414732"/>
-          </a:xfrm>
-        </p:spPr>
-        <p:txBody>
-          <a:bodyPr>
-            <a:normAutofit/>
-          </a:bodyPr>
-          <a:lstStyle/>
-          <a:p>
-            <a:r>
-              <a:rPr lang="en-US" sz="4700" dirty="0" smtClean="0"/>
-              <a:t>Regression</a:t>
-            </a:r>
+            <a:endParaRPr lang="en-US" cap="none" dirty="0"/>
           </a:p>
         </p:txBody>
       </p:sp>
       <p:pic>
         <p:nvPicPr>
-          <p:cNvPr id="4" name="Picture 3"/>
+          <p:cNvPr id="5" name="Picture 4"/>
           <p:cNvPicPr>
             <a:picLocks noChangeAspect="1"/>
           </p:cNvPicPr>
           <p:nvPr/>
         </p:nvPicPr>
         <p:blipFill>
-          <a:blip r:embed="rId2"/>
+          <a:blip r:embed="rId2">
+            <a:extLst>
+              <a:ext uri="{28A0092B-C50C-407E-A947-70E740481C1C}">
+                <a14:useLocalDpi xmlns:a14="http://schemas.microsoft.com/office/drawing/2010/main" val="0"/>
+              </a:ext>
+            </a:extLst>
+          </a:blip>
           <a:stretch>
             <a:fillRect/>
           </a:stretch>
         </p:blipFill>
         <p:spPr>
           <a:xfrm>
-            <a:off x="6236898" y="258792"/>
-            <a:ext cx="5304570" cy="5296619"/>
+            <a:off x="263106" y="1349184"/>
+            <a:ext cx="11430000" cy="5060759"/>
           </a:xfrm>
           <a:prstGeom prst="rect">
             <a:avLst/>
@@ -7219,7 +7283,7 @@
       </p:pic>
       <p:sp>
         <p:nvSpPr>
-          <p:cNvPr id="5" name="Footer Placeholder 4"/>
+          <p:cNvPr id="3" name="Footer Placeholder 2"/>
           <p:cNvSpPr>
             <a:spLocks noGrp="1"/>
           </p:cNvSpPr>
@@ -7242,7 +7306,7 @@
       </p:sp>
       <p:sp>
         <p:nvSpPr>
-          <p:cNvPr id="6" name="Slide Number Placeholder 5"/>
+          <p:cNvPr id="4" name="Slide Number Placeholder 3"/>
           <p:cNvSpPr>
             <a:spLocks noGrp="1"/>
           </p:cNvSpPr>
@@ -7266,7 +7330,7 @@
     </p:spTree>
     <p:extLst>
       <p:ext uri="{BB962C8B-B14F-4D97-AF65-F5344CB8AC3E}">
-        <p14:creationId xmlns:p14="http://schemas.microsoft.com/office/powerpoint/2010/main" val="196174999"/>
+        <p14:creationId xmlns:p14="http://schemas.microsoft.com/office/powerpoint/2010/main" val="808621915"/>
       </p:ext>
     </p:extLst>
   </p:cSld>
@@ -7312,7 +7376,7 @@
         </p:nvSpPr>
         <p:spPr>
           <a:xfrm>
-            <a:off x="245857" y="191382"/>
+            <a:off x="263106" y="197219"/>
             <a:ext cx="10396882" cy="1151965"/>
           </a:xfrm>
         </p:spPr>
@@ -7322,10 +7386,10 @@
           <a:p>
             <a:pPr algn="l"/>
             <a:r>
-              <a:rPr lang="en-US" dirty="0" smtClean="0"/>
+              <a:rPr lang="en-US" cap="none" dirty="0" smtClean="0"/>
               <a:t>Evaluation Metrics</a:t>
             </a:r>
-            <a:endParaRPr lang="en-US" dirty="0"/>
+            <a:endParaRPr lang="en-US" cap="none" dirty="0"/>
           </a:p>
         </p:txBody>
       </p:sp>
@@ -7341,8 +7405,8 @@
         </p:nvSpPr>
         <p:spPr>
           <a:xfrm>
-            <a:off x="340744" y="395658"/>
-            <a:ext cx="10394707" cy="2505798"/>
+            <a:off x="970471" y="2199735"/>
+            <a:ext cx="10394707" cy="1414732"/>
           </a:xfrm>
         </p:spPr>
         <p:txBody>
@@ -7352,22 +7416,14 @@
           <a:lstStyle/>
           <a:p>
             <a:r>
-              <a:rPr lang="en-US" sz="2600" dirty="0" smtClean="0"/>
-              <a:t>Classification</a:t>
-            </a:r>
-            <a:endParaRPr lang="en-US" sz="2200" dirty="0" smtClean="0"/>
-          </a:p>
-          <a:p>
-            <a:pPr lvl="1"/>
-            <a:r>
-              <a:rPr lang="en-US" sz="2200" b="1" dirty="0">
-                <a:latin typeface="Arial Rounded MT Bold" panose="020F0704030504030204" pitchFamily="34" charset="0"/>
-              </a:rPr>
-              <a:t>Confusion matrix</a:t>
-            </a:r>
-            <a:endParaRPr lang="en-US" sz="2200" dirty="0">
-              <a:latin typeface="Arial Rounded MT Bold" panose="020F0704030504030204" pitchFamily="34" charset="0"/>
-            </a:endParaRPr>
+              <a:rPr lang="en-US" sz="4700" dirty="0" smtClean="0"/>
+              <a:t> </a:t>
+            </a:r>
+            <a:r>
+              <a:rPr lang="en-US" sz="4700" cap="none" dirty="0" smtClean="0"/>
+              <a:t>Regression</a:t>
+            </a:r>
+            <a:endParaRPr lang="en-US" sz="4700" dirty="0" smtClean="0"/>
           </a:p>
         </p:txBody>
       </p:sp>
@@ -7387,7 +7443,185 @@
         </p:blipFill>
         <p:spPr>
           <a:xfrm>
-            <a:off x="876668" y="2178773"/>
+            <a:off x="6236898" y="258792"/>
+            <a:ext cx="5304570" cy="5296619"/>
+          </a:xfrm>
+          <a:prstGeom prst="rect">
+            <a:avLst/>
+          </a:prstGeom>
+        </p:spPr>
+      </p:pic>
+      <p:sp>
+        <p:nvSpPr>
+          <p:cNvPr id="5" name="Footer Placeholder 4"/>
+          <p:cNvSpPr>
+            <a:spLocks noGrp="1"/>
+          </p:cNvSpPr>
+          <p:nvPr>
+            <p:ph type="ftr" sz="quarter" idx="11"/>
+          </p:nvPr>
+        </p:nvSpPr>
+        <p:spPr/>
+        <p:txBody>
+          <a:bodyPr/>
+          <a:lstStyle/>
+          <a:p>
+            <a:r>
+              <a:rPr lang="en-US" smtClean="0"/>
+              <a:t>H.Fakher</a:t>
+            </a:r>
+            <a:endParaRPr lang="en-US" dirty="0"/>
+          </a:p>
+        </p:txBody>
+      </p:sp>
+      <p:sp>
+        <p:nvSpPr>
+          <p:cNvPr id="6" name="Slide Number Placeholder 5"/>
+          <p:cNvSpPr>
+            <a:spLocks noGrp="1"/>
+          </p:cNvSpPr>
+          <p:nvPr>
+            <p:ph type="sldNum" sz="quarter" idx="12"/>
+          </p:nvPr>
+        </p:nvSpPr>
+        <p:spPr/>
+        <p:txBody>
+          <a:bodyPr/>
+          <a:lstStyle/>
+          <a:p>
+            <a:fld id="{3680D392-614A-43D7-BA76-AB1FFE045AF8}" type="slidenum">
+              <a:rPr lang="en-US" smtClean="0"/>
+              <a:t>11</a:t>
+            </a:fld>
+            <a:endParaRPr lang="en-US" dirty="0"/>
+          </a:p>
+        </p:txBody>
+      </p:sp>
+    </p:spTree>
+    <p:extLst>
+      <p:ext uri="{BB962C8B-B14F-4D97-AF65-F5344CB8AC3E}">
+        <p14:creationId xmlns:p14="http://schemas.microsoft.com/office/powerpoint/2010/main" val="196174999"/>
+      </p:ext>
+    </p:extLst>
+  </p:cSld>
+  <p:clrMapOvr>
+    <a:masterClrMapping/>
+  </p:clrMapOvr>
+  <p:timing>
+    <p:tnLst>
+      <p:par>
+        <p:cTn id="1" dur="indefinite" restart="never" nodeType="tmRoot"/>
+      </p:par>
+    </p:tnLst>
+  </p:timing>
+</p:sld>
+</file>
+
+<file path=ppt/slides/slide12.xml><?xml version="1.0" encoding="utf-8"?>
+<p:sld xmlns:a="http://schemas.openxmlformats.org/drawingml/2006/main" xmlns:r="http://schemas.openxmlformats.org/officeDocument/2006/relationships" xmlns:p="http://schemas.openxmlformats.org/presentationml/2006/main">
+  <p:cSld>
+    <p:spTree>
+      <p:nvGrpSpPr>
+        <p:cNvPr id="1" name=""/>
+        <p:cNvGrpSpPr/>
+        <p:nvPr/>
+      </p:nvGrpSpPr>
+      <p:grpSpPr>
+        <a:xfrm>
+          <a:off x="0" y="0"/>
+          <a:ext cx="0" cy="0"/>
+          <a:chOff x="0" y="0"/>
+          <a:chExt cx="0" cy="0"/>
+        </a:xfrm>
+      </p:grpSpPr>
+      <p:sp>
+        <p:nvSpPr>
+          <p:cNvPr id="2" name="Title 1"/>
+          <p:cNvSpPr>
+            <a:spLocks noGrp="1"/>
+          </p:cNvSpPr>
+          <p:nvPr>
+            <p:ph type="title"/>
+          </p:nvPr>
+        </p:nvSpPr>
+        <p:spPr>
+          <a:xfrm>
+            <a:off x="245857" y="191382"/>
+            <a:ext cx="10396882" cy="1151965"/>
+          </a:xfrm>
+        </p:spPr>
+        <p:txBody>
+          <a:bodyPr/>
+          <a:lstStyle/>
+          <a:p>
+            <a:pPr algn="l"/>
+            <a:r>
+              <a:rPr lang="en-US" cap="none" dirty="0" smtClean="0"/>
+              <a:t>Evaluation Metrics</a:t>
+            </a:r>
+            <a:endParaRPr lang="en-US" cap="none" dirty="0"/>
+          </a:p>
+        </p:txBody>
+      </p:sp>
+      <p:sp>
+        <p:nvSpPr>
+          <p:cNvPr id="3" name="Content Placeholder 2"/>
+          <p:cNvSpPr>
+            <a:spLocks noGrp="1"/>
+          </p:cNvSpPr>
+          <p:nvPr>
+            <p:ph sz="quarter" idx="13"/>
+          </p:nvPr>
+        </p:nvSpPr>
+        <p:spPr>
+          <a:xfrm>
+            <a:off x="340744" y="1175246"/>
+            <a:ext cx="10394707" cy="1129042"/>
+          </a:xfrm>
+        </p:spPr>
+        <p:txBody>
+          <a:bodyPr>
+            <a:normAutofit/>
+          </a:bodyPr>
+          <a:lstStyle/>
+          <a:p>
+            <a:r>
+              <a:rPr lang="en-US" sz="2600" cap="none" dirty="0" smtClean="0"/>
+              <a:t> Classification</a:t>
+            </a:r>
+            <a:endParaRPr lang="en-US" sz="2200" cap="none" dirty="0" smtClean="0"/>
+          </a:p>
+          <a:p>
+            <a:pPr lvl="1"/>
+            <a:r>
+              <a:rPr lang="en-US" sz="2200" b="1" cap="none" dirty="0" smtClean="0">
+                <a:latin typeface="Arial Rounded MT Bold" panose="020F0704030504030204" pitchFamily="34" charset="0"/>
+              </a:rPr>
+              <a:t>Confusion Matrix</a:t>
+            </a:r>
+            <a:endParaRPr lang="en-US" sz="2200" cap="none" dirty="0">
+              <a:latin typeface="Arial Rounded MT Bold" panose="020F0704030504030204" pitchFamily="34" charset="0"/>
+            </a:endParaRPr>
+          </a:p>
+        </p:txBody>
+      </p:sp>
+      <p:pic>
+        <p:nvPicPr>
+          <p:cNvPr id="4" name="Picture 3"/>
+          <p:cNvPicPr>
+            <a:picLocks noChangeAspect="1"/>
+          </p:cNvPicPr>
+          <p:nvPr/>
+        </p:nvPicPr>
+        <p:blipFill>
+          <a:blip r:embed="rId2"/>
+          <a:stretch>
+            <a:fillRect/>
+          </a:stretch>
+        </p:blipFill>
+        <p:spPr>
+          <a:xfrm>
+            <a:off x="876668" y="2377186"/>
             <a:ext cx="4695601" cy="2178208"/>
           </a:xfrm>
           <a:prstGeom prst="rect">
@@ -7405,7 +7639,7 @@
         </p:nvGrpSpPr>
         <p:grpSpPr bwMode="auto">
           <a:xfrm>
-            <a:off x="6108192" y="191382"/>
+            <a:off x="6108193" y="1026901"/>
             <a:ext cx="5586984" cy="4157662"/>
             <a:chOff x="3719" y="813"/>
             <a:chExt cx="3635" cy="2619"/>
@@ -7518,36 +7752,6 @@
           </p:spPr>
         </p:pic>
       </p:grpSp>
-      <p:pic>
-        <p:nvPicPr>
-          <p:cNvPr id="9" name="Picture 8"/>
-          <p:cNvPicPr>
-            <a:picLocks noChangeAspect="1"/>
-          </p:cNvPicPr>
-          <p:nvPr/>
-        </p:nvPicPr>
-        <p:blipFill>
-          <a:blip r:embed="rId4">
-            <a:extLst>
-              <a:ext uri="{28A0092B-C50C-407E-A947-70E740481C1C}">
-                <a14:useLocalDpi xmlns:a14="http://schemas.microsoft.com/office/drawing/2010/main" val="0"/>
-              </a:ext>
-            </a:extLst>
-          </a:blip>
-          <a:stretch>
-            <a:fillRect/>
-          </a:stretch>
-        </p:blipFill>
-        <p:spPr>
-          <a:xfrm>
-            <a:off x="0" y="4390543"/>
-            <a:ext cx="11695176" cy="2212224"/>
-          </a:xfrm>
-          <a:prstGeom prst="rect">
-            <a:avLst/>
-          </a:prstGeom>
-        </p:spPr>
-      </p:pic>
       <p:sp>
         <p:nvSpPr>
           <p:cNvPr id="5" name="Footer Placeholder 4"/>
@@ -7588,7 +7792,7 @@
           <a:p>
             <a:fld id="{3680D392-614A-43D7-BA76-AB1FFE045AF8}" type="slidenum">
               <a:rPr lang="en-US" smtClean="0"/>
-              <a:t>11</a:t>
+              <a:t>12</a:t>
             </a:fld>
             <a:endParaRPr lang="en-US" dirty="0"/>
           </a:p>
@@ -7614,7 +7818,7 @@
 </p:sld>
 </file>
 
-<file path=ppt/slides/slide12.xml><?xml version="1.0" encoding="utf-8"?>
+<file path=ppt/slides/slide13.xml><?xml version="1.0" encoding="utf-8"?>
 <p:sld xmlns:a="http://schemas.openxmlformats.org/drawingml/2006/main" xmlns:r="http://schemas.openxmlformats.org/officeDocument/2006/relationships" xmlns:p="http://schemas.openxmlformats.org/presentationml/2006/main">
   <p:cSld>
     <p:spTree>
@@ -7648,23 +7852,33 @@
           </a:xfrm>
         </p:spPr>
         <p:txBody>
-          <a:bodyPr/>
+          <a:bodyPr>
+            <a:noAutofit/>
+          </a:bodyPr>
           <a:lstStyle/>
           <a:p>
             <a:pPr algn="l"/>
             <a:r>
-              <a:rPr lang="en-US" dirty="0" err="1"/>
+              <a:rPr lang="en-US" cap="none" dirty="0" err="1"/>
               <a:t>Overfitting</a:t>
             </a:r>
             <a:r>
-              <a:rPr lang="en-US" dirty="0"/>
-              <a:t> and </a:t>
-            </a:r>
-            <a:r>
-              <a:rPr lang="en-US" dirty="0" err="1"/>
+              <a:rPr lang="en-US" sz="8000" dirty="0"/>
+              <a:t> </a:t>
+            </a:r>
+            <a:r>
+              <a:rPr lang="en-US" cap="none" dirty="0"/>
+              <a:t>And</a:t>
+            </a:r>
+            <a:r>
+              <a:rPr lang="en-US" sz="8000" dirty="0"/>
+              <a:t> </a:t>
+            </a:r>
+            <a:r>
+              <a:rPr lang="en-US" cap="none" dirty="0" err="1"/>
               <a:t>Underfitting</a:t>
             </a:r>
-            <a:endParaRPr lang="en-US" dirty="0"/>
+            <a:endParaRPr lang="en-US" cap="none" dirty="0"/>
           </a:p>
         </p:txBody>
       </p:sp>
@@ -7734,7 +7948,7 @@
           <a:p>
             <a:fld id="{3680D392-614A-43D7-BA76-AB1FFE045AF8}" type="slidenum">
               <a:rPr lang="en-US" smtClean="0"/>
-              <a:t>12</a:t>
+              <a:t>13</a:t>
             </a:fld>
             <a:endParaRPr lang="en-US" dirty="0"/>
           </a:p>
@@ -7760,7 +7974,167 @@
 </p:sld>
 </file>
 
-<file path=ppt/slides/slide13.xml><?xml version="1.0" encoding="utf-8"?>
+<file path=ppt/slides/slide14.xml><?xml version="1.0" encoding="utf-8"?>
+<p:sld xmlns:a="http://schemas.openxmlformats.org/drawingml/2006/main" xmlns:r="http://schemas.openxmlformats.org/officeDocument/2006/relationships" xmlns:p="http://schemas.openxmlformats.org/presentationml/2006/main">
+  <p:cSld>
+    <p:spTree>
+      <p:nvGrpSpPr>
+        <p:cNvPr id="1" name=""/>
+        <p:cNvGrpSpPr/>
+        <p:nvPr/>
+      </p:nvGrpSpPr>
+      <p:grpSpPr>
+        <a:xfrm>
+          <a:off x="0" y="0"/>
+          <a:ext cx="0" cy="0"/>
+          <a:chOff x="0" y="0"/>
+          <a:chExt cx="0" cy="0"/>
+        </a:xfrm>
+      </p:grpSpPr>
+      <p:sp>
+        <p:nvSpPr>
+          <p:cNvPr id="2" name="Title 1"/>
+          <p:cNvSpPr>
+            <a:spLocks noGrp="1"/>
+          </p:cNvSpPr>
+          <p:nvPr>
+            <p:ph type="title"/>
+          </p:nvPr>
+        </p:nvSpPr>
+        <p:spPr/>
+        <p:txBody>
+          <a:bodyPr/>
+          <a:lstStyle/>
+          <a:p>
+            <a:r>
+              <a:rPr lang="en-US" cap="none" dirty="0" smtClean="0"/>
+              <a:t>Coding</a:t>
+            </a:r>
+            <a:endParaRPr lang="en-US" cap="none" dirty="0"/>
+          </a:p>
+        </p:txBody>
+      </p:sp>
+      <p:sp>
+        <p:nvSpPr>
+          <p:cNvPr id="3" name="Content Placeholder 2"/>
+          <p:cNvSpPr>
+            <a:spLocks noGrp="1"/>
+          </p:cNvSpPr>
+          <p:nvPr>
+            <p:ph sz="quarter" idx="13"/>
+          </p:nvPr>
+        </p:nvSpPr>
+        <p:spPr>
+          <a:xfrm>
+            <a:off x="685800" y="2063396"/>
+            <a:ext cx="10771632" cy="3311189"/>
+          </a:xfrm>
+        </p:spPr>
+        <p:txBody>
+          <a:bodyPr/>
+          <a:lstStyle/>
+          <a:p>
+            <a:r>
+              <a:rPr lang="en-US" cap="none" dirty="0" smtClean="0">
+                <a:hlinkClick r:id="rId2"/>
+              </a:rPr>
+              <a:t>https://colab.research.google.com/drive/1dbjydjhhjvl4rsjoa9abkyjfest9cgdt</a:t>
+            </a:r>
+            <a:endParaRPr lang="en-US" cap="none" dirty="0" smtClean="0"/>
+          </a:p>
+          <a:p>
+            <a:r>
+              <a:rPr lang="en-US" cap="none" dirty="0" smtClean="0">
+                <a:hlinkClick r:id="rId3"/>
+              </a:rPr>
+              <a:t>https://colab.research.google.com/drive/1bljvxjarq8enfahrqstfcdbnyzucadt0#scrollto=4ab25dfb</a:t>
+            </a:r>
+            <a:endParaRPr lang="en-US" cap="none" dirty="0" smtClean="0"/>
+          </a:p>
+          <a:p>
+            <a:r>
+              <a:rPr lang="en-US" cap="none" dirty="0" smtClean="0">
+                <a:hlinkClick r:id="rId4"/>
+              </a:rPr>
+              <a:t>https://colab.research.google.com/drive/12ramayxqbcf_ggu38lydte8ui6iinklk#scrollto=a683bcef</a:t>
+            </a:r>
+            <a:endParaRPr lang="en-US" cap="none" dirty="0" smtClean="0"/>
+          </a:p>
+          <a:p>
+            <a:pPr marL="0" indent="0">
+              <a:buNone/>
+            </a:pPr>
+            <a:endParaRPr lang="en-US" cap="none" dirty="0"/>
+          </a:p>
+        </p:txBody>
+      </p:sp>
+      <p:sp>
+        <p:nvSpPr>
+          <p:cNvPr id="4" name="Footer Placeholder 3"/>
+          <p:cNvSpPr>
+            <a:spLocks noGrp="1"/>
+          </p:cNvSpPr>
+          <p:nvPr>
+            <p:ph type="ftr" sz="quarter" idx="11"/>
+          </p:nvPr>
+        </p:nvSpPr>
+        <p:spPr/>
+        <p:txBody>
+          <a:bodyPr/>
+          <a:lstStyle/>
+          <a:p>
+            <a:r>
+              <a:rPr lang="en-US" smtClean="0"/>
+              <a:t>H.Fakher</a:t>
+            </a:r>
+            <a:endParaRPr lang="en-US" dirty="0"/>
+          </a:p>
+        </p:txBody>
+      </p:sp>
+      <p:sp>
+        <p:nvSpPr>
+          <p:cNvPr id="5" name="Slide Number Placeholder 4"/>
+          <p:cNvSpPr>
+            <a:spLocks noGrp="1"/>
+          </p:cNvSpPr>
+          <p:nvPr>
+            <p:ph type="sldNum" sz="quarter" idx="12"/>
+          </p:nvPr>
+        </p:nvSpPr>
+        <p:spPr/>
+        <p:txBody>
+          <a:bodyPr/>
+          <a:lstStyle/>
+          <a:p>
+            <a:fld id="{3680D392-614A-43D7-BA76-AB1FFE045AF8}" type="slidenum">
+              <a:rPr lang="en-US" smtClean="0"/>
+              <a:t>14</a:t>
+            </a:fld>
+            <a:endParaRPr lang="en-US" dirty="0"/>
+          </a:p>
+        </p:txBody>
+      </p:sp>
+    </p:spTree>
+    <p:extLst>
+      <p:ext uri="{BB962C8B-B14F-4D97-AF65-F5344CB8AC3E}">
+        <p14:creationId xmlns:p14="http://schemas.microsoft.com/office/powerpoint/2010/main" val="788306383"/>
+      </p:ext>
+    </p:extLst>
+  </p:cSld>
+  <p:clrMapOvr>
+    <a:masterClrMapping/>
+  </p:clrMapOvr>
+  <p:timing>
+    <p:tnLst>
+      <p:par>
+        <p:cTn id="1" dur="indefinite" restart="never" nodeType="tmRoot"/>
+      </p:par>
+    </p:tnLst>
+  </p:timing>
+</p:sld>
+</file>
+
+<file path=ppt/slides/slide15.xml><?xml version="1.0" encoding="utf-8"?>
 <p:sld xmlns:a="http://schemas.openxmlformats.org/drawingml/2006/main" xmlns:r="http://schemas.openxmlformats.org/officeDocument/2006/relationships" xmlns:p="http://schemas.openxmlformats.org/presentationml/2006/main">
   <p:cSld>
     <p:spTree>
@@ -7848,143 +8222,218 @@
         </p:nvSpPr>
         <p:spPr>
           <a:xfrm>
-            <a:off x="234351" y="140926"/>
-            <a:ext cx="10515600" cy="1325563"/>
+            <a:off x="0" y="0"/>
+            <a:ext cx="10396882" cy="1151965"/>
           </a:xfrm>
         </p:spPr>
         <p:txBody>
           <a:bodyPr/>
           <a:lstStyle/>
           <a:p>
-            <a:pPr algn="l"/>
-            <a:r>
-              <a:rPr lang="en-US" dirty="0" smtClean="0"/>
-              <a:t>Machine Learning</a:t>
-            </a:r>
-            <a:endParaRPr lang="en-US" dirty="0"/>
-          </a:p>
-        </p:txBody>
-      </p:sp>
-      <p:pic>
-        <p:nvPicPr>
-          <p:cNvPr id="4" name="Picture 3"/>
-          <p:cNvPicPr>
-            <a:picLocks noChangeAspect="1"/>
-          </p:cNvPicPr>
+            <a:r>
+              <a:rPr lang="en-US" cap="none" dirty="0" smtClean="0"/>
+              <a:t>Agenda</a:t>
+            </a:r>
+            <a:endParaRPr lang="en-US" dirty="0"/>
+          </a:p>
+        </p:txBody>
+      </p:sp>
+      <p:sp>
+        <p:nvSpPr>
+          <p:cNvPr id="4" name="Footer Placeholder 3"/>
+          <p:cNvSpPr>
+            <a:spLocks noGrp="1"/>
+          </p:cNvSpPr>
+          <p:nvPr>
+            <p:ph type="ftr" sz="quarter" idx="11"/>
+          </p:nvPr>
+        </p:nvSpPr>
+        <p:spPr/>
+        <p:txBody>
+          <a:bodyPr/>
+          <a:lstStyle/>
+          <a:p>
+            <a:r>
+              <a:rPr lang="en-US" smtClean="0"/>
+              <a:t>H.Fakher</a:t>
+            </a:r>
+            <a:endParaRPr lang="en-US" dirty="0"/>
+          </a:p>
+        </p:txBody>
+      </p:sp>
+      <p:sp>
+        <p:nvSpPr>
+          <p:cNvPr id="5" name="Slide Number Placeholder 4"/>
+          <p:cNvSpPr>
+            <a:spLocks noGrp="1"/>
+          </p:cNvSpPr>
+          <p:nvPr>
+            <p:ph type="sldNum" sz="quarter" idx="12"/>
+          </p:nvPr>
+        </p:nvSpPr>
+        <p:spPr/>
+        <p:txBody>
+          <a:bodyPr/>
+          <a:lstStyle/>
+          <a:p>
+            <a:fld id="{3680D392-614A-43D7-BA76-AB1FFE045AF8}" type="slidenum">
+              <a:rPr lang="en-US" smtClean="0"/>
+              <a:t>2</a:t>
+            </a:fld>
+            <a:endParaRPr lang="en-US" dirty="0"/>
+          </a:p>
+        </p:txBody>
+      </p:sp>
+      <p:sp>
+        <p:nvSpPr>
+          <p:cNvPr id="6" name="Rectangle 5"/>
+          <p:cNvSpPr/>
           <p:nvPr/>
-        </p:nvPicPr>
-        <p:blipFill>
-          <a:blip r:embed="rId2">
-            <a:extLst>
-              <a:ext uri="{28A0092B-C50C-407E-A947-70E740481C1C}">
-                <a14:useLocalDpi xmlns:a14="http://schemas.microsoft.com/office/drawing/2010/main" val="0"/>
-              </a:ext>
-            </a:extLst>
-          </a:blip>
-          <a:stretch>
-            <a:fillRect/>
-          </a:stretch>
-        </p:blipFill>
-        <p:spPr>
-          <a:xfrm>
-            <a:off x="5916167" y="1310351"/>
-            <a:ext cx="5816763" cy="4364968"/>
+        </p:nvSpPr>
+        <p:spPr>
+          <a:xfrm>
+            <a:off x="584200" y="1151965"/>
+            <a:ext cx="5601320" cy="4401205"/>
           </a:xfrm>
           <a:prstGeom prst="rect">
             <a:avLst/>
           </a:prstGeom>
         </p:spPr>
-      </p:pic>
-      <p:sp>
-        <p:nvSpPr>
-          <p:cNvPr id="3" name="TextBox 2"/>
-          <p:cNvSpPr txBox="1"/>
-          <p:nvPr/>
-        </p:nvSpPr>
-        <p:spPr>
-          <a:xfrm>
-            <a:off x="118872" y="1599070"/>
-            <a:ext cx="5797296" cy="2015936"/>
-          </a:xfrm>
-          <a:prstGeom prst="rect">
-            <a:avLst/>
-          </a:prstGeom>
-          <a:noFill/>
-        </p:spPr>
-        <p:txBody>
-          <a:bodyPr wrap="square" rtlCol="0">
+        <p:txBody>
+          <a:bodyPr wrap="square">
             <a:spAutoFit/>
           </a:bodyPr>
           <a:lstStyle/>
           <a:p>
-            <a:r>
-              <a:rPr lang="en-US" sz="2500" dirty="0" smtClean="0">
-                <a:latin typeface="Arial Rounded MT Bold" panose="020F0704030504030204" pitchFamily="34" charset="0"/>
+            <a:pPr marL="342900" indent="-342900">
+              <a:buFont typeface="+mj-lt"/>
+              <a:buAutoNum type="arabicPeriod"/>
+            </a:pPr>
+            <a:r>
+              <a:rPr lang="en-US" sz="2800" dirty="0" smtClean="0">
+                <a:solidFill>
+                  <a:srgbClr val="C00000"/>
+                </a:solidFill>
               </a:rPr>
-              <a:t>is</a:t>
-            </a:r>
-            <a:r>
-              <a:rPr lang="en-US" sz="2500" dirty="0">
-                <a:latin typeface="Arial Rounded MT Bold" panose="020F0704030504030204" pitchFamily="34" charset="0"/>
+              <a:t>Machine Learning</a:t>
+            </a:r>
+          </a:p>
+          <a:p>
+            <a:pPr marL="342900" indent="-342900">
+              <a:buFont typeface="+mj-lt"/>
+              <a:buAutoNum type="arabicPeriod"/>
+            </a:pPr>
+            <a:r>
+              <a:rPr lang="en-US" sz="2800" dirty="0" smtClean="0">
+                <a:solidFill>
+                  <a:srgbClr val="C00000"/>
+                </a:solidFill>
               </a:rPr>
-              <a:t> a type of artificial intelligence (AI) that allows software applications to become more accurate at predicting outcomes without being explicitly programmed to do so.</a:t>
-            </a:r>
-            <a:endParaRPr lang="en-US" sz="2500" dirty="0" smtClean="0">
-              <a:latin typeface="Arial Rounded MT Bold" panose="020F0704030504030204" pitchFamily="34" charset="0"/>
-            </a:endParaRPr>
-          </a:p>
-        </p:txBody>
-      </p:sp>
-      <p:sp>
-        <p:nvSpPr>
-          <p:cNvPr id="5" name="Footer Placeholder 4"/>
-          <p:cNvSpPr>
-            <a:spLocks noGrp="1"/>
-          </p:cNvSpPr>
-          <p:nvPr>
-            <p:ph type="ftr" sz="quarter" idx="11"/>
-          </p:nvPr>
-        </p:nvSpPr>
-        <p:spPr/>
-        <p:txBody>
-          <a:bodyPr/>
-          <a:lstStyle/>
-          <a:p>
-            <a:r>
-              <a:rPr lang="en-US" smtClean="0"/>
-              <a:t>H.Fakher</a:t>
-            </a:r>
-            <a:endParaRPr lang="en-US" dirty="0"/>
-          </a:p>
-        </p:txBody>
-      </p:sp>
-      <p:sp>
-        <p:nvSpPr>
-          <p:cNvPr id="6" name="Slide Number Placeholder 5"/>
-          <p:cNvSpPr>
-            <a:spLocks noGrp="1"/>
-          </p:cNvSpPr>
-          <p:nvPr>
-            <p:ph type="sldNum" sz="quarter" idx="12"/>
-          </p:nvPr>
-        </p:nvSpPr>
-        <p:spPr/>
-        <p:txBody>
-          <a:bodyPr/>
-          <a:lstStyle/>
-          <a:p>
-            <a:fld id="{3680D392-614A-43D7-BA76-AB1FFE045AF8}" type="slidenum">
-              <a:rPr lang="en-US" smtClean="0"/>
-              <a:t>2</a:t>
-            </a:fld>
-            <a:endParaRPr lang="en-US" dirty="0"/>
+              <a:t>Types Of Machine Learning</a:t>
+            </a:r>
+          </a:p>
+          <a:p>
+            <a:pPr marL="800100" lvl="1" indent="-342900">
+              <a:buFont typeface="+mj-lt"/>
+              <a:buAutoNum type="arabicPeriod"/>
+            </a:pPr>
+            <a:r>
+              <a:rPr lang="en-US" sz="2800" dirty="0" smtClean="0"/>
+              <a:t>Supervised</a:t>
+            </a:r>
+          </a:p>
+          <a:p>
+            <a:pPr marL="800100" lvl="1" indent="-342900">
+              <a:buFont typeface="+mj-lt"/>
+              <a:buAutoNum type="arabicPeriod"/>
+            </a:pPr>
+            <a:r>
+              <a:rPr lang="en-US" sz="2800" dirty="0" smtClean="0"/>
+              <a:t>Unsupervised</a:t>
+            </a:r>
+          </a:p>
+          <a:p>
+            <a:pPr marL="342900" indent="-342900">
+              <a:buFont typeface="+mj-lt"/>
+              <a:buAutoNum type="arabicPeriod"/>
+            </a:pPr>
+            <a:r>
+              <a:rPr lang="en-US" sz="2800" dirty="0" smtClean="0">
+                <a:solidFill>
+                  <a:srgbClr val="C00000"/>
+                </a:solidFill>
+              </a:rPr>
+              <a:t>Machine Learning Algorithms</a:t>
+            </a:r>
+          </a:p>
+          <a:p>
+            <a:pPr marL="342900" indent="-342900">
+              <a:buFont typeface="+mj-lt"/>
+              <a:buAutoNum type="arabicPeriod"/>
+            </a:pPr>
+            <a:r>
+              <a:rPr lang="en-US" sz="2800" dirty="0" smtClean="0">
+                <a:solidFill>
+                  <a:srgbClr val="C00000"/>
+                </a:solidFill>
+              </a:rPr>
+              <a:t>Unsupervised (Cluster)</a:t>
+            </a:r>
+          </a:p>
+          <a:p>
+            <a:pPr marL="342900" indent="-342900">
+              <a:buFont typeface="+mj-lt"/>
+              <a:buAutoNum type="arabicPeriod"/>
+            </a:pPr>
+            <a:r>
+              <a:rPr lang="en-US" sz="2800" dirty="0" smtClean="0">
+                <a:solidFill>
+                  <a:srgbClr val="C00000"/>
+                </a:solidFill>
+              </a:rPr>
+              <a:t>Steps Of Machine Learning</a:t>
+            </a:r>
+          </a:p>
+          <a:p>
+            <a:pPr marL="342900" indent="-342900">
+              <a:buFont typeface="+mj-lt"/>
+              <a:buAutoNum type="arabicPeriod"/>
+            </a:pPr>
+            <a:r>
+              <a:rPr lang="en-US" sz="2800" dirty="0" smtClean="0">
+                <a:solidFill>
+                  <a:srgbClr val="C00000"/>
+                </a:solidFill>
+              </a:rPr>
+              <a:t>Evaluation Metrics</a:t>
+            </a:r>
+          </a:p>
+          <a:p>
+            <a:pPr marL="800100" lvl="1" indent="-342900">
+              <a:buFont typeface="+mj-lt"/>
+              <a:buAutoNum type="arabicPeriod"/>
+            </a:pPr>
+            <a:r>
+              <a:rPr lang="en-US" sz="2800" dirty="0" smtClean="0"/>
+              <a:t>Regression</a:t>
+            </a:r>
+          </a:p>
+          <a:p>
+            <a:pPr marL="800100" lvl="1" indent="-342900">
+              <a:buFont typeface="+mj-lt"/>
+              <a:buAutoNum type="arabicPeriod"/>
+            </a:pPr>
+            <a:r>
+              <a:rPr lang="en-US" sz="2800" dirty="0" smtClean="0"/>
+              <a:t>Classification</a:t>
+            </a:r>
           </a:p>
         </p:txBody>
       </p:sp>
     </p:spTree>
     <p:extLst>
       <p:ext uri="{BB962C8B-B14F-4D97-AF65-F5344CB8AC3E}">
-        <p14:creationId xmlns:p14="http://schemas.microsoft.com/office/powerpoint/2010/main" val="1737685475"/>
+        <p14:creationId xmlns:p14="http://schemas.microsoft.com/office/powerpoint/2010/main" val="3419626668"/>
       </p:ext>
     </p:extLst>
   </p:cSld>
@@ -8025,156 +8474,164 @@
             <a:spLocks noGrp="1"/>
           </p:cNvSpPr>
           <p:nvPr>
-            <p:ph type="ctrTitle"/>
-          </p:nvPr>
-        </p:nvSpPr>
-        <p:spPr>
-          <a:xfrm>
-            <a:off x="514709" y="504310"/>
-            <a:ext cx="9144000" cy="1061048"/>
-          </a:xfrm>
-        </p:spPr>
-        <p:txBody>
-          <a:bodyPr>
-            <a:normAutofit fontScale="90000"/>
+            <p:ph type="title"/>
+          </p:nvPr>
+        </p:nvSpPr>
+        <p:spPr>
+          <a:xfrm>
+            <a:off x="234351" y="140926"/>
+            <a:ext cx="10515600" cy="1325563"/>
+          </a:xfrm>
+        </p:spPr>
+        <p:txBody>
+          <a:bodyPr/>
+          <a:lstStyle/>
+          <a:p>
+            <a:pPr algn="l"/>
+            <a:r>
+              <a:rPr lang="en-US" cap="none" dirty="0" smtClean="0"/>
+              <a:t>Machine Learning</a:t>
+            </a:r>
+            <a:endParaRPr lang="en-US" cap="none" dirty="0"/>
+          </a:p>
+        </p:txBody>
+      </p:sp>
+      <p:sp>
+        <p:nvSpPr>
+          <p:cNvPr id="3" name="TextBox 2"/>
+          <p:cNvSpPr txBox="1"/>
+          <p:nvPr/>
+        </p:nvSpPr>
+        <p:spPr>
+          <a:xfrm>
+            <a:off x="338328" y="1742169"/>
+            <a:ext cx="6064515" cy="2015936"/>
+          </a:xfrm>
+          <a:prstGeom prst="rect">
+            <a:avLst/>
+          </a:prstGeom>
+          <a:noFill/>
+        </p:spPr>
+        <p:txBody>
+          <a:bodyPr wrap="square" rtlCol="0">
+            <a:spAutoFit/>
           </a:bodyPr>
           <a:lstStyle/>
           <a:p>
-            <a:pPr algn="l"/>
-            <a:r>
-              <a:rPr lang="en-US" dirty="0" smtClean="0"/>
-              <a:t>Supervised</a:t>
-            </a:r>
-            <a:endParaRPr lang="en-US" dirty="0"/>
-          </a:p>
-        </p:txBody>
-      </p:sp>
-      <p:sp>
-        <p:nvSpPr>
-          <p:cNvPr id="3" name="Subtitle 2"/>
-          <p:cNvSpPr>
-            <a:spLocks noGrp="1"/>
-          </p:cNvSpPr>
-          <p:nvPr>
-            <p:ph type="subTitle" idx="1"/>
-          </p:nvPr>
-        </p:nvSpPr>
-        <p:spPr>
-          <a:xfrm>
-            <a:off x="514709" y="1565358"/>
-            <a:ext cx="9144000" cy="1043796"/>
-          </a:xfrm>
-        </p:spPr>
-        <p:txBody>
-          <a:bodyPr>
-            <a:normAutofit fontScale="92500" lnSpcReduction="20000"/>
-          </a:bodyPr>
-          <a:lstStyle/>
-          <a:p>
-            <a:pPr algn="l"/>
-            <a:r>
-              <a:rPr lang="en-US" dirty="0" smtClean="0">
-                <a:solidFill>
-                  <a:schemeClr val="tx1"/>
-                </a:solidFill>
+            <a:r>
+              <a:rPr lang="en-US" sz="2500" dirty="0" smtClean="0">
+                <a:latin typeface="Arial Rounded MT Bold" panose="020F0704030504030204" pitchFamily="34" charset="0"/>
               </a:rPr>
-              <a:t>Regression            (</a:t>
-            </a:r>
-            <a:r>
-              <a:rPr lang="ar-EG" dirty="0" smtClean="0">
-                <a:solidFill>
-                  <a:schemeClr val="tx1"/>
-                </a:solidFill>
+              <a:t>is</a:t>
+            </a:r>
+            <a:r>
+              <a:rPr lang="en-US" sz="2500" dirty="0">
+                <a:latin typeface="Arial Rounded MT Bold" panose="020F0704030504030204" pitchFamily="34" charset="0"/>
               </a:rPr>
-              <a:t> التوقع </a:t>
-            </a:r>
-            <a:r>
-              <a:rPr lang="en-US" dirty="0" smtClean="0">
-                <a:solidFill>
-                  <a:schemeClr val="tx1"/>
-                </a:solidFill>
-              </a:rPr>
-              <a:t>)</a:t>
-            </a:r>
-            <a:endParaRPr lang="ar-EG" dirty="0" smtClean="0">
-              <a:solidFill>
-                <a:schemeClr val="tx1"/>
-              </a:solidFill>
+              <a:t> a type of artificial intelligence (AI) that allows software applications to become more accurate at predicting outcomes without being explicitly programmed to do so.</a:t>
+            </a:r>
+            <a:endParaRPr lang="en-US" sz="2500" dirty="0" smtClean="0">
+              <a:latin typeface="Arial Rounded MT Bold" panose="020F0704030504030204" pitchFamily="34" charset="0"/>
             </a:endParaRPr>
           </a:p>
-          <a:p>
-            <a:pPr algn="l"/>
-            <a:r>
-              <a:rPr lang="en-US" dirty="0" smtClean="0">
-                <a:solidFill>
-                  <a:schemeClr val="tx1"/>
-                </a:solidFill>
-              </a:rPr>
-              <a:t>Classification (</a:t>
-            </a:r>
-            <a:r>
-              <a:rPr lang="ar-EG" dirty="0" smtClean="0">
-                <a:solidFill>
-                  <a:schemeClr val="tx1"/>
-                </a:solidFill>
-              </a:rPr>
-              <a:t>التصنيف </a:t>
-            </a:r>
-            <a:r>
-              <a:rPr lang="en-US" dirty="0" smtClean="0">
-                <a:solidFill>
-                  <a:schemeClr val="tx1"/>
-                </a:solidFill>
-              </a:rPr>
-              <a:t> )</a:t>
-            </a:r>
-            <a:endParaRPr lang="en-US" dirty="0">
-              <a:solidFill>
-                <a:schemeClr val="tx1"/>
-              </a:solidFill>
-            </a:endParaRPr>
+        </p:txBody>
+      </p:sp>
+      <p:sp>
+        <p:nvSpPr>
+          <p:cNvPr id="5" name="Footer Placeholder 4"/>
+          <p:cNvSpPr>
+            <a:spLocks noGrp="1"/>
+          </p:cNvSpPr>
+          <p:nvPr>
+            <p:ph type="ftr" sz="quarter" idx="11"/>
+          </p:nvPr>
+        </p:nvSpPr>
+        <p:spPr/>
+        <p:txBody>
+          <a:bodyPr/>
+          <a:lstStyle/>
+          <a:p>
+            <a:r>
+              <a:rPr lang="en-US" dirty="0" err="1" smtClean="0"/>
+              <a:t>H.Fakher</a:t>
+            </a:r>
+            <a:endParaRPr lang="en-US" dirty="0"/>
+          </a:p>
+        </p:txBody>
+      </p:sp>
+      <p:sp>
+        <p:nvSpPr>
+          <p:cNvPr id="6" name="Slide Number Placeholder 5"/>
+          <p:cNvSpPr>
+            <a:spLocks noGrp="1"/>
+          </p:cNvSpPr>
+          <p:nvPr>
+            <p:ph type="sldNum" sz="quarter" idx="12"/>
+          </p:nvPr>
+        </p:nvSpPr>
+        <p:spPr/>
+        <p:txBody>
+          <a:bodyPr/>
+          <a:lstStyle/>
+          <a:p>
+            <a:fld id="{3680D392-614A-43D7-BA76-AB1FFE045AF8}" type="slidenum">
+              <a:rPr lang="en-US" smtClean="0"/>
+              <a:t>3</a:t>
+            </a:fld>
+            <a:endParaRPr lang="en-US" dirty="0"/>
           </a:p>
         </p:txBody>
       </p:sp>
       <p:pic>
         <p:nvPicPr>
-          <p:cNvPr id="4" name="Picture 3"/>
+          <p:cNvPr id="2050" name="Picture 2" descr="ESOL Technologies"/>
           <p:cNvPicPr>
-            <a:picLocks noChangeAspect="1"/>
+            <a:picLocks noChangeAspect="1" noChangeArrowheads="1"/>
           </p:cNvPicPr>
           <p:nvPr/>
         </p:nvPicPr>
         <p:blipFill>
-          <a:blip r:embed="rId2" cstate="print">
+          <a:blip r:embed="rId2">
             <a:extLst>
               <a:ext uri="{28A0092B-C50C-407E-A947-70E740481C1C}">
                 <a14:useLocalDpi xmlns:a14="http://schemas.microsoft.com/office/drawing/2010/main" val="0"/>
               </a:ext>
             </a:extLst>
           </a:blip>
+          <a:srcRect/>
           <a:stretch>
             <a:fillRect/>
           </a:stretch>
         </p:blipFill>
-        <p:spPr>
-          <a:xfrm>
-            <a:off x="514709" y="2617780"/>
-            <a:ext cx="5072332" cy="3165951"/>
+        <p:spPr bwMode="auto">
+          <a:xfrm>
+            <a:off x="6402843" y="1534882"/>
+            <a:ext cx="4929072" cy="3861672"/>
           </a:xfrm>
           <a:prstGeom prst="rect">
             <a:avLst/>
           </a:prstGeom>
+          <a:noFill/>
+          <a:extLst>
+            <a:ext uri="{909E8E84-426E-40DD-AFC4-6F175D3DCCD1}">
+              <a14:hiddenFill xmlns:a14="http://schemas.microsoft.com/office/drawing/2010/main">
+                <a:solidFill>
+                  <a:srgbClr val="FFFFFF"/>
+                </a:solidFill>
+              </a14:hiddenFill>
+            </a:ext>
+          </a:extLst>
         </p:spPr>
       </p:pic>
       <p:pic>
         <p:nvPicPr>
-          <p:cNvPr id="5" name="Picture 4"/>
+          <p:cNvPr id="7" name="Picture 4" descr="Solved Question No.2: (NEED SOLUTION ASAP) | Chegg.com"/>
           <p:cNvPicPr>
-            <a:picLocks noChangeAspect="1"/>
+            <a:picLocks noChangeAspect="1" noChangeArrowheads="1"/>
           </p:cNvPicPr>
           <p:nvPr/>
         </p:nvPicPr>
-        <p:blipFill>
+        <p:blipFill rotWithShape="1">
           <a:blip r:embed="rId3">
             <a:extLst>
               <a:ext uri="{28A0092B-C50C-407E-A947-70E740481C1C}">
@@ -8182,24 +8639,33 @@
               </a:ext>
             </a:extLst>
           </a:blip>
-          <a:stretch>
-            <a:fillRect/>
-          </a:stretch>
+          <a:srcRect b="13415"/>
+          <a:stretch/>
         </p:blipFill>
-        <p:spPr>
-          <a:xfrm>
-            <a:off x="5587041" y="371258"/>
-            <a:ext cx="5403011" cy="3743540"/>
+        <p:spPr bwMode="auto">
+          <a:xfrm>
+            <a:off x="1106551" y="3758104"/>
+            <a:ext cx="3476625" cy="1838023"/>
           </a:xfrm>
           <a:prstGeom prst="rect">
             <a:avLst/>
           </a:prstGeom>
+          <a:noFill/>
+          <a:extLst>
+            <a:ext uri="{909E8E84-426E-40DD-AFC4-6F175D3DCCD1}">
+              <a14:hiddenFill xmlns:a14="http://schemas.microsoft.com/office/drawing/2010/main">
+                <a:solidFill>
+                  <a:srgbClr val="FFFFFF"/>
+                </a:solidFill>
+              </a14:hiddenFill>
+            </a:ext>
+          </a:extLst>
         </p:spPr>
       </p:pic>
     </p:spTree>
     <p:extLst>
       <p:ext uri="{BB962C8B-B14F-4D97-AF65-F5344CB8AC3E}">
-        <p14:creationId xmlns:p14="http://schemas.microsoft.com/office/powerpoint/2010/main" val="303571046"/>
+        <p14:creationId xmlns:p14="http://schemas.microsoft.com/office/powerpoint/2010/main" val="1737685475"/>
       </p:ext>
     </p:extLst>
   </p:cSld>
@@ -8245,31 +8711,76 @@
         </p:nvSpPr>
         <p:spPr>
           <a:xfrm>
-            <a:off x="288986" y="168215"/>
-            <a:ext cx="10396882" cy="1151965"/>
+            <a:off x="234351" y="140926"/>
+            <a:ext cx="10515600" cy="1325563"/>
           </a:xfrm>
         </p:spPr>
         <p:txBody>
           <a:bodyPr/>
           <a:lstStyle/>
           <a:p>
-            <a:r>
-              <a:rPr lang="en-US" dirty="0" smtClean="0"/>
-              <a:t>Machine learning algorithms</a:t>
-            </a:r>
+            <a:pPr algn="l"/>
+            <a:r>
+              <a:rPr lang="en-US" cap="none" dirty="0" smtClean="0"/>
+              <a:t>Types Of Machine Learning</a:t>
+            </a:r>
+            <a:endParaRPr lang="en-US" cap="none" dirty="0"/>
+          </a:p>
+        </p:txBody>
+      </p:sp>
+      <p:sp>
+        <p:nvSpPr>
+          <p:cNvPr id="5" name="Footer Placeholder 4"/>
+          <p:cNvSpPr>
+            <a:spLocks noGrp="1"/>
+          </p:cNvSpPr>
+          <p:nvPr>
+            <p:ph type="ftr" sz="quarter" idx="11"/>
+          </p:nvPr>
+        </p:nvSpPr>
+        <p:spPr/>
+        <p:txBody>
+          <a:bodyPr/>
+          <a:lstStyle/>
+          <a:p>
+            <a:r>
+              <a:rPr lang="en-US" dirty="0" err="1" smtClean="0"/>
+              <a:t>H.Fakher</a:t>
+            </a:r>
+            <a:endParaRPr lang="en-US" dirty="0"/>
+          </a:p>
+        </p:txBody>
+      </p:sp>
+      <p:sp>
+        <p:nvSpPr>
+          <p:cNvPr id="6" name="Slide Number Placeholder 5"/>
+          <p:cNvSpPr>
+            <a:spLocks noGrp="1"/>
+          </p:cNvSpPr>
+          <p:nvPr>
+            <p:ph type="sldNum" sz="quarter" idx="12"/>
+          </p:nvPr>
+        </p:nvSpPr>
+        <p:spPr/>
+        <p:txBody>
+          <a:bodyPr/>
+          <a:lstStyle/>
+          <a:p>
+            <a:fld id="{3680D392-614A-43D7-BA76-AB1FFE045AF8}" type="slidenum">
+              <a:rPr lang="en-US" smtClean="0"/>
+              <a:t>4</a:t>
+            </a:fld>
             <a:endParaRPr lang="en-US" dirty="0"/>
           </a:p>
         </p:txBody>
       </p:sp>
       <p:pic>
         <p:nvPicPr>
-          <p:cNvPr id="4" name="Content Placeholder 3"/>
+          <p:cNvPr id="7" name="Picture 6"/>
           <p:cNvPicPr>
-            <a:picLocks noGrp="1" noChangeAspect="1"/>
+            <a:picLocks noChangeAspect="1"/>
           </p:cNvPicPr>
-          <p:nvPr>
-            <p:ph sz="quarter" idx="13"/>
-          </p:nvPr>
+          <p:nvPr/>
         </p:nvPicPr>
         <p:blipFill>
           <a:blip r:embed="rId2">
@@ -8285,20 +8796,23 @@
         </p:blipFill>
         <p:spPr>
           <a:xfrm>
-            <a:off x="5418771" y="1320180"/>
-            <a:ext cx="6258117" cy="4269736"/>
-          </a:xfrm>
+            <a:off x="5724143" y="1284816"/>
+            <a:ext cx="5816763" cy="4183295"/>
+          </a:xfrm>
+          <a:prstGeom prst="rect">
+            <a:avLst/>
+          </a:prstGeom>
         </p:spPr>
       </p:pic>
       <p:pic>
         <p:nvPicPr>
-          <p:cNvPr id="5" name="Picture 4"/>
+          <p:cNvPr id="1028" name="Picture 4" descr="Solved Question No.2: (NEED SOLUTION ASAP) | Chegg.com"/>
           <p:cNvPicPr>
-            <a:picLocks noChangeAspect="1"/>
+            <a:picLocks noChangeAspect="1" noChangeArrowheads="1"/>
           </p:cNvPicPr>
           <p:nvPr/>
         </p:nvPicPr>
-        <p:blipFill>
+        <p:blipFill rotWithShape="1">
           <a:blip r:embed="rId3">
             <a:extLst>
               <a:ext uri="{28A0092B-C50C-407E-A947-70E740481C1C}">
@@ -8306,70 +8820,33 @@
               </a:ext>
             </a:extLst>
           </a:blip>
-          <a:stretch>
-            <a:fillRect/>
-          </a:stretch>
+          <a:srcRect b="13415"/>
+          <a:stretch/>
         </p:blipFill>
-        <p:spPr>
-          <a:xfrm>
-            <a:off x="93535" y="1320180"/>
-            <a:ext cx="5325236" cy="4269736"/>
+        <p:spPr bwMode="auto">
+          <a:xfrm>
+            <a:off x="1106551" y="1466488"/>
+            <a:ext cx="3476625" cy="4001623"/>
           </a:xfrm>
           <a:prstGeom prst="rect">
             <a:avLst/>
           </a:prstGeom>
+          <a:noFill/>
+          <a:extLst>
+            <a:ext uri="{909E8E84-426E-40DD-AFC4-6F175D3DCCD1}">
+              <a14:hiddenFill xmlns:a14="http://schemas.microsoft.com/office/drawing/2010/main">
+                <a:solidFill>
+                  <a:srgbClr val="FFFFFF"/>
+                </a:solidFill>
+              </a14:hiddenFill>
+            </a:ext>
+          </a:extLst>
         </p:spPr>
       </p:pic>
-      <p:sp>
-        <p:nvSpPr>
-          <p:cNvPr id="3" name="Footer Placeholder 2"/>
-          <p:cNvSpPr>
-            <a:spLocks noGrp="1"/>
-          </p:cNvSpPr>
-          <p:nvPr>
-            <p:ph type="ftr" sz="quarter" idx="11"/>
-          </p:nvPr>
-        </p:nvSpPr>
-        <p:spPr/>
-        <p:txBody>
-          <a:bodyPr/>
-          <a:lstStyle/>
-          <a:p>
-            <a:r>
-              <a:rPr lang="en-US" smtClean="0"/>
-              <a:t>H.Fakher</a:t>
-            </a:r>
-            <a:endParaRPr lang="en-US" dirty="0"/>
-          </a:p>
-        </p:txBody>
-      </p:sp>
-      <p:sp>
-        <p:nvSpPr>
-          <p:cNvPr id="6" name="Slide Number Placeholder 5"/>
-          <p:cNvSpPr>
-            <a:spLocks noGrp="1"/>
-          </p:cNvSpPr>
-          <p:nvPr>
-            <p:ph type="sldNum" sz="quarter" idx="12"/>
-          </p:nvPr>
-        </p:nvSpPr>
-        <p:spPr/>
-        <p:txBody>
-          <a:bodyPr/>
-          <a:lstStyle/>
-          <a:p>
-            <a:fld id="{3680D392-614A-43D7-BA76-AB1FFE045AF8}" type="slidenum">
-              <a:rPr lang="en-US" smtClean="0"/>
-              <a:t>4</a:t>
-            </a:fld>
-            <a:endParaRPr lang="en-US" dirty="0"/>
-          </a:p>
-        </p:txBody>
-      </p:sp>
     </p:spTree>
     <p:extLst>
       <p:ext uri="{BB962C8B-B14F-4D97-AF65-F5344CB8AC3E}">
-        <p14:creationId xmlns:p14="http://schemas.microsoft.com/office/powerpoint/2010/main" val="1583897946"/>
+        <p14:creationId xmlns:p14="http://schemas.microsoft.com/office/powerpoint/2010/main" val="4280603942"/>
       </p:ext>
     </p:extLst>
   </p:cSld>
@@ -8403,6 +8880,127 @@
           <a:chExt cx="0" cy="0"/>
         </a:xfrm>
       </p:grpSpPr>
+      <p:sp>
+        <p:nvSpPr>
+          <p:cNvPr id="2" name="Title 1"/>
+          <p:cNvSpPr>
+            <a:spLocks noGrp="1"/>
+          </p:cNvSpPr>
+          <p:nvPr>
+            <p:ph type="ctrTitle"/>
+          </p:nvPr>
+        </p:nvSpPr>
+        <p:spPr>
+          <a:xfrm>
+            <a:off x="514709" y="504310"/>
+            <a:ext cx="9144000" cy="1061048"/>
+          </a:xfrm>
+        </p:spPr>
+        <p:txBody>
+          <a:bodyPr>
+            <a:normAutofit fontScale="90000"/>
+          </a:bodyPr>
+          <a:lstStyle/>
+          <a:p>
+            <a:pPr algn="l"/>
+            <a:r>
+              <a:rPr lang="en-US" cap="none" dirty="0" smtClean="0"/>
+              <a:t>Supervised</a:t>
+            </a:r>
+            <a:endParaRPr lang="en-US" cap="none" dirty="0"/>
+          </a:p>
+        </p:txBody>
+      </p:sp>
+      <p:sp>
+        <p:nvSpPr>
+          <p:cNvPr id="3" name="Subtitle 2"/>
+          <p:cNvSpPr>
+            <a:spLocks noGrp="1"/>
+          </p:cNvSpPr>
+          <p:nvPr>
+            <p:ph type="subTitle" idx="1"/>
+          </p:nvPr>
+        </p:nvSpPr>
+        <p:spPr>
+          <a:xfrm>
+            <a:off x="514709" y="1565358"/>
+            <a:ext cx="9144000" cy="3326682"/>
+          </a:xfrm>
+        </p:spPr>
+        <p:txBody>
+          <a:bodyPr>
+            <a:normAutofit/>
+          </a:bodyPr>
+          <a:lstStyle/>
+          <a:p>
+            <a:pPr algn="l"/>
+            <a:r>
+              <a:rPr lang="en-US" sz="3600" cap="none" dirty="0" smtClean="0">
+                <a:solidFill>
+                  <a:schemeClr val="tx1"/>
+                </a:solidFill>
+              </a:rPr>
+              <a:t>Regression            (</a:t>
+            </a:r>
+            <a:r>
+              <a:rPr lang="ar-EG" sz="3600" cap="none" dirty="0" smtClean="0">
+                <a:solidFill>
+                  <a:schemeClr val="tx1"/>
+                </a:solidFill>
+              </a:rPr>
+              <a:t> التوقع </a:t>
+            </a:r>
+            <a:r>
+              <a:rPr lang="en-US" sz="3600" cap="none" dirty="0" smtClean="0">
+                <a:solidFill>
+                  <a:schemeClr val="tx1"/>
+                </a:solidFill>
+              </a:rPr>
+              <a:t>)</a:t>
+            </a:r>
+          </a:p>
+          <a:p>
+            <a:pPr algn="l"/>
+            <a:endParaRPr lang="ar-EG" sz="3600" cap="none" dirty="0" smtClean="0">
+              <a:solidFill>
+                <a:schemeClr val="tx1"/>
+              </a:solidFill>
+            </a:endParaRPr>
+          </a:p>
+          <a:p>
+            <a:pPr algn="l"/>
+            <a:r>
+              <a:rPr lang="en-US" sz="3600" cap="none" dirty="0" smtClean="0">
+                <a:solidFill>
+                  <a:schemeClr val="tx1"/>
+                </a:solidFill>
+              </a:rPr>
+              <a:t>Classification (</a:t>
+            </a:r>
+            <a:r>
+              <a:rPr lang="ar-EG" sz="3600" cap="none" dirty="0" smtClean="0">
+                <a:solidFill>
+                  <a:schemeClr val="tx1"/>
+                </a:solidFill>
+              </a:rPr>
+              <a:t>التصنيف </a:t>
+            </a:r>
+            <a:r>
+              <a:rPr lang="en-US" sz="3600" cap="none" dirty="0" smtClean="0">
+                <a:solidFill>
+                  <a:schemeClr val="tx1"/>
+                </a:solidFill>
+              </a:rPr>
+              <a:t> )</a:t>
+            </a:r>
+            <a:endParaRPr lang="en-US" sz="3600" cap="none" dirty="0">
+              <a:solidFill>
+                <a:schemeClr val="tx1"/>
+              </a:solidFill>
+            </a:endParaRPr>
+          </a:p>
+        </p:txBody>
+      </p:sp>
       <p:pic>
         <p:nvPicPr>
           <p:cNvPr id="4" name="Picture 3"/>
@@ -8412,7 +9010,7 @@
           <p:nvPr/>
         </p:nvPicPr>
         <p:blipFill>
-          <a:blip r:embed="rId2">
+          <a:blip r:embed="rId2" cstate="print">
             <a:extLst>
               <a:ext uri="{28A0092B-C50C-407E-A947-70E740481C1C}">
                 <a14:useLocalDpi xmlns:a14="http://schemas.microsoft.com/office/drawing/2010/main" val="0"/>
@@ -8425,154 +9023,18 @@
         </p:blipFill>
         <p:spPr>
           <a:xfrm>
-            <a:off x="0" y="2798064"/>
-            <a:ext cx="5641847" cy="2809702"/>
+            <a:off x="5434181" y="1026178"/>
+            <a:ext cx="5072332" cy="3165951"/>
           </a:xfrm>
           <a:prstGeom prst="rect">
             <a:avLst/>
           </a:prstGeom>
         </p:spPr>
       </p:pic>
-      <p:pic>
-        <p:nvPicPr>
-          <p:cNvPr id="5" name="Picture 4"/>
-          <p:cNvPicPr>
-            <a:picLocks noChangeAspect="1"/>
-          </p:cNvPicPr>
-          <p:nvPr/>
-        </p:nvPicPr>
-        <p:blipFill>
-          <a:blip r:embed="rId3">
-            <a:extLst>
-              <a:ext uri="{28A0092B-C50C-407E-A947-70E740481C1C}">
-                <a14:useLocalDpi xmlns:a14="http://schemas.microsoft.com/office/drawing/2010/main" val="0"/>
-              </a:ext>
-            </a:extLst>
-          </a:blip>
-          <a:stretch>
-            <a:fillRect/>
-          </a:stretch>
-        </p:blipFill>
-        <p:spPr>
-          <a:xfrm>
-            <a:off x="5641848" y="2798064"/>
-            <a:ext cx="6026346" cy="2734057"/>
-          </a:xfrm>
-          <a:prstGeom prst="rect">
-            <a:avLst/>
-          </a:prstGeom>
-        </p:spPr>
-      </p:pic>
-      <p:pic>
-        <p:nvPicPr>
-          <p:cNvPr id="6" name="Picture 5"/>
-          <p:cNvPicPr>
-            <a:picLocks noChangeAspect="1"/>
-          </p:cNvPicPr>
-          <p:nvPr/>
-        </p:nvPicPr>
-        <p:blipFill>
-          <a:blip r:embed="rId4">
-            <a:extLst>
-              <a:ext uri="{28A0092B-C50C-407E-A947-70E740481C1C}">
-                <a14:useLocalDpi xmlns:a14="http://schemas.microsoft.com/office/drawing/2010/main" val="0"/>
-              </a:ext>
-            </a:extLst>
-          </a:blip>
-          <a:stretch>
-            <a:fillRect/>
-          </a:stretch>
-        </p:blipFill>
-        <p:spPr>
-          <a:xfrm>
-            <a:off x="1" y="23020"/>
-            <a:ext cx="5641846" cy="2775044"/>
-          </a:xfrm>
-          <a:prstGeom prst="rect">
-            <a:avLst/>
-          </a:prstGeom>
-        </p:spPr>
-      </p:pic>
-      <p:pic>
-        <p:nvPicPr>
-          <p:cNvPr id="7" name="Picture 6"/>
-          <p:cNvPicPr>
-            <a:picLocks noChangeAspect="1"/>
-          </p:cNvPicPr>
-          <p:nvPr/>
-        </p:nvPicPr>
-        <p:blipFill>
-          <a:blip r:embed="rId5">
-            <a:extLst>
-              <a:ext uri="{28A0092B-C50C-407E-A947-70E740481C1C}">
-                <a14:useLocalDpi xmlns:a14="http://schemas.microsoft.com/office/drawing/2010/main" val="0"/>
-              </a:ext>
-            </a:extLst>
-          </a:blip>
-          <a:stretch>
-            <a:fillRect/>
-          </a:stretch>
-        </p:blipFill>
-        <p:spPr>
-          <a:xfrm>
-            <a:off x="5641847" y="23020"/>
-            <a:ext cx="6026347" cy="2775044"/>
-          </a:xfrm>
-          <a:prstGeom prst="rect">
-            <a:avLst/>
-          </a:prstGeom>
-        </p:spPr>
-      </p:pic>
-      <p:sp>
-        <p:nvSpPr>
-          <p:cNvPr id="2" name="Footer Placeholder 1"/>
-          <p:cNvSpPr>
-            <a:spLocks noGrp="1"/>
-          </p:cNvSpPr>
-          <p:nvPr>
-            <p:ph type="ftr" sz="quarter" idx="11"/>
-          </p:nvPr>
-        </p:nvSpPr>
-        <p:spPr/>
-        <p:txBody>
-          <a:bodyPr/>
-          <a:lstStyle/>
-          <a:p>
-            <a:r>
-              <a:rPr lang="en-US" smtClean="0"/>
-              <a:t>H.Fakher</a:t>
-            </a:r>
-            <a:endParaRPr lang="en-US" dirty="0"/>
-          </a:p>
-        </p:txBody>
-      </p:sp>
-      <p:sp>
-        <p:nvSpPr>
-          <p:cNvPr id="3" name="Slide Number Placeholder 2"/>
-          <p:cNvSpPr>
-            <a:spLocks noGrp="1"/>
-          </p:cNvSpPr>
-          <p:nvPr>
-            <p:ph type="sldNum" sz="quarter" idx="12"/>
-          </p:nvPr>
-        </p:nvSpPr>
-        <p:spPr/>
-        <p:txBody>
-          <a:bodyPr/>
-          <a:lstStyle/>
-          <a:p>
-            <a:fld id="{3680D392-614A-43D7-BA76-AB1FFE045AF8}" type="slidenum">
-              <a:rPr lang="en-US" smtClean="0"/>
-              <a:t>5</a:t>
-            </a:fld>
-            <a:endParaRPr lang="en-US" dirty="0"/>
-          </a:p>
-        </p:txBody>
-      </p:sp>
     </p:spTree>
     <p:extLst>
       <p:ext uri="{BB962C8B-B14F-4D97-AF65-F5344CB8AC3E}">
-        <p14:creationId xmlns:p14="http://schemas.microsoft.com/office/powerpoint/2010/main" val="1751802088"/>
+        <p14:creationId xmlns:p14="http://schemas.microsoft.com/office/powerpoint/2010/main" val="303571046"/>
       </p:ext>
     </p:extLst>
   </p:cSld>
@@ -8618,7 +9080,7 @@
         </p:nvSpPr>
         <p:spPr>
           <a:xfrm>
-            <a:off x="227633" y="278033"/>
+            <a:off x="288986" y="168215"/>
             <a:ext cx="10396882" cy="1151965"/>
           </a:xfrm>
         </p:spPr>
@@ -8626,24 +9088,21 @@
           <a:bodyPr/>
           <a:lstStyle/>
           <a:p>
-            <a:pPr algn="l"/>
-            <a:r>
-              <a:rPr lang="en-US" dirty="0" smtClean="0"/>
-              <a:t>Un Supervised</a:t>
-            </a:r>
-            <a:endParaRPr lang="en-US" dirty="0"/>
+            <a:r>
+              <a:rPr lang="en-US" cap="none" dirty="0" smtClean="0"/>
+              <a:t>Machine Learning Algorithms</a:t>
+            </a:r>
+            <a:endParaRPr lang="en-US" cap="none" dirty="0"/>
           </a:p>
         </p:txBody>
       </p:sp>
       <p:pic>
         <p:nvPicPr>
-          <p:cNvPr id="4" name="Content Placeholder 3"/>
+          <p:cNvPr id="5" name="Picture 4"/>
           <p:cNvPicPr>
-            <a:picLocks noGrp="1" noChangeAspect="1"/>
+            <a:picLocks noChangeAspect="1"/>
           </p:cNvPicPr>
-          <p:nvPr>
-            <p:ph sz="quarter" idx="13"/>
-          </p:nvPr>
+          <p:nvPr/>
         </p:nvPicPr>
         <p:blipFill>
           <a:blip r:embed="rId2">
@@ -8659,35 +9118,8 @@
         </p:blipFill>
         <p:spPr>
           <a:xfrm>
-            <a:off x="4736592" y="107830"/>
-            <a:ext cx="6793993" cy="3558914"/>
-          </a:xfrm>
-        </p:spPr>
-      </p:pic>
-      <p:pic>
-        <p:nvPicPr>
-          <p:cNvPr id="5" name="Picture 4"/>
-          <p:cNvPicPr>
-            <a:picLocks noChangeAspect="1"/>
-          </p:cNvPicPr>
-          <p:nvPr/>
-        </p:nvPicPr>
-        <p:blipFill>
-          <a:blip r:embed="rId3">
-            <a:extLst>
-              <a:ext uri="{28A0092B-C50C-407E-A947-70E740481C1C}">
-                <a14:useLocalDpi xmlns:a14="http://schemas.microsoft.com/office/drawing/2010/main" val="0"/>
-              </a:ext>
-            </a:extLst>
-          </a:blip>
-          <a:stretch>
-            <a:fillRect/>
-          </a:stretch>
-        </p:blipFill>
-        <p:spPr>
-          <a:xfrm>
-            <a:off x="914401" y="3666744"/>
-            <a:ext cx="10616184" cy="2617285"/>
+            <a:off x="1413379" y="1320180"/>
+            <a:ext cx="8148096" cy="4269736"/>
           </a:xfrm>
           <a:prstGeom prst="rect">
             <a:avLst/>
@@ -8696,64 +9128,6 @@
       </p:pic>
       <p:sp>
         <p:nvSpPr>
-          <p:cNvPr id="6" name="Title 1"/>
-          <p:cNvSpPr txBox="1">
-            <a:spLocks/>
-          </p:cNvSpPr>
-          <p:nvPr/>
-        </p:nvSpPr>
-        <p:spPr>
-          <a:xfrm>
-            <a:off x="914401" y="1494006"/>
-            <a:ext cx="10396882" cy="1151965"/>
-          </a:xfrm>
-          <a:prstGeom prst="rect">
-            <a:avLst/>
-          </a:prstGeom>
-        </p:spPr>
-        <p:txBody>
-          <a:bodyPr vert="horz" lIns="91440" tIns="45720" rIns="91440" bIns="45720" rtlCol="0" anchor="ctr">
-            <a:normAutofit/>
-          </a:bodyPr>
-          <a:lstStyle>
-            <a:lvl1pPr algn="l" defTabSz="914400" rtl="0" eaLnBrk="1" latinLnBrk="0" hangingPunct="1">
-              <a:lnSpc>
-                <a:spcPct val="90000"/>
-              </a:lnSpc>
-              <a:spcBef>
-                <a:spcPct val="0"/>
-              </a:spcBef>
-              <a:buNone/>
-              <a:defRPr sz="5400" kern="1200" cap="all" baseline="0">
-                <a:solidFill>
-                  <a:schemeClr val="accent1"/>
-                </a:solidFill>
-                <a:effectLst/>
-                <a:latin typeface="+mj-lt"/>
-                <a:ea typeface="+mj-ea"/>
-                <a:cs typeface="+mj-cs"/>
-              </a:defRPr>
-            </a:lvl1pPr>
-          </a:lstStyle>
-          <a:p>
-            <a:r>
-              <a:rPr lang="en-US" dirty="0" smtClean="0">
-                <a:solidFill>
-                  <a:schemeClr val="tx1"/>
-                </a:solidFill>
-              </a:rPr>
-              <a:t>cluster</a:t>
-            </a:r>
-            <a:endParaRPr lang="en-US" dirty="0">
-              <a:solidFill>
-                <a:schemeClr val="tx1"/>
-              </a:solidFill>
-            </a:endParaRPr>
-          </a:p>
-        </p:txBody>
-      </p:sp>
-      <p:sp>
-        <p:nvSpPr>
           <p:cNvPr id="3" name="Footer Placeholder 2"/>
           <p:cNvSpPr>
             <a:spLocks noGrp="1"/>
@@ -8777,7 +9151,7 @@
       </p:sp>
       <p:sp>
         <p:nvSpPr>
-          <p:cNvPr id="7" name="Slide Number Placeholder 6"/>
+          <p:cNvPr id="6" name="Slide Number Placeholder 5"/>
           <p:cNvSpPr>
             <a:spLocks noGrp="1"/>
           </p:cNvSpPr>
@@ -8801,7 +9175,7 @@
     </p:spTree>
     <p:extLst>
       <p:ext uri="{BB962C8B-B14F-4D97-AF65-F5344CB8AC3E}">
-        <p14:creationId xmlns:p14="http://schemas.microsoft.com/office/powerpoint/2010/main" val="2056873389"/>
+        <p14:creationId xmlns:p14="http://schemas.microsoft.com/office/powerpoint/2010/main" val="1583897946"/>
       </p:ext>
     </p:extLst>
   </p:cSld>
@@ -8847,7 +9221,7 @@
         </p:nvSpPr>
         <p:spPr>
           <a:xfrm>
-            <a:off x="310897" y="210312"/>
+            <a:off x="288986" y="168215"/>
             <a:ext cx="10396882" cy="1151965"/>
           </a:xfrm>
         </p:spPr>
@@ -8857,18 +9231,61 @@
           <a:p>
             <a:r>
               <a:rPr lang="en-US" dirty="0" smtClean="0"/>
-              <a:t>Steps of Machine </a:t>
-            </a:r>
-            <a:r>
-              <a:rPr lang="en-US" dirty="0"/>
-              <a:t>learning</a:t>
-            </a:r>
+              <a:t>Machine learning algorithms</a:t>
+            </a:r>
+            <a:endParaRPr lang="en-US" dirty="0"/>
+          </a:p>
+        </p:txBody>
+      </p:sp>
+      <p:sp>
+        <p:nvSpPr>
+          <p:cNvPr id="3" name="Footer Placeholder 2"/>
+          <p:cNvSpPr>
+            <a:spLocks noGrp="1"/>
+          </p:cNvSpPr>
+          <p:nvPr>
+            <p:ph type="ftr" sz="quarter" idx="11"/>
+          </p:nvPr>
+        </p:nvSpPr>
+        <p:spPr/>
+        <p:txBody>
+          <a:bodyPr/>
+          <a:lstStyle/>
+          <a:p>
+            <a:r>
+              <a:rPr lang="en-US" smtClean="0"/>
+              <a:t>H.Fakher</a:t>
+            </a:r>
+            <a:endParaRPr lang="en-US" dirty="0"/>
+          </a:p>
+        </p:txBody>
+      </p:sp>
+      <p:sp>
+        <p:nvSpPr>
+          <p:cNvPr id="6" name="Slide Number Placeholder 5"/>
+          <p:cNvSpPr>
+            <a:spLocks noGrp="1"/>
+          </p:cNvSpPr>
+          <p:nvPr>
+            <p:ph type="sldNum" sz="quarter" idx="12"/>
+          </p:nvPr>
+        </p:nvSpPr>
+        <p:spPr/>
+        <p:txBody>
+          <a:bodyPr/>
+          <a:lstStyle/>
+          <a:p>
+            <a:fld id="{3680D392-614A-43D7-BA76-AB1FFE045AF8}" type="slidenum">
+              <a:rPr lang="en-US" smtClean="0"/>
+              <a:t>7</a:t>
+            </a:fld>
+            <a:endParaRPr lang="en-US" dirty="0"/>
           </a:p>
         </p:txBody>
       </p:sp>
       <p:pic>
         <p:nvPicPr>
-          <p:cNvPr id="4" name="Content Placeholder 3"/>
+          <p:cNvPr id="9" name="Content Placeholder 3"/>
           <p:cNvPicPr>
             <a:picLocks noGrp="1" noChangeAspect="1"/>
           </p:cNvPicPr>
@@ -8890,61 +9307,15 @@
         </p:blipFill>
         <p:spPr>
           <a:xfrm>
-            <a:off x="2898726" y="1362277"/>
-            <a:ext cx="5221224" cy="4315968"/>
+            <a:off x="746188" y="1320180"/>
+            <a:ext cx="10135172" cy="4269736"/>
           </a:xfrm>
         </p:spPr>
       </p:pic>
-      <p:sp>
-        <p:nvSpPr>
-          <p:cNvPr id="3" name="Footer Placeholder 2"/>
-          <p:cNvSpPr>
-            <a:spLocks noGrp="1"/>
-          </p:cNvSpPr>
-          <p:nvPr>
-            <p:ph type="ftr" sz="quarter" idx="11"/>
-          </p:nvPr>
-        </p:nvSpPr>
-        <p:spPr/>
-        <p:txBody>
-          <a:bodyPr/>
-          <a:lstStyle/>
-          <a:p>
-            <a:r>
-              <a:rPr lang="en-US" smtClean="0"/>
-              <a:t>H.Fakher</a:t>
-            </a:r>
-            <a:endParaRPr lang="en-US" dirty="0"/>
-          </a:p>
-        </p:txBody>
-      </p:sp>
-      <p:sp>
-        <p:nvSpPr>
-          <p:cNvPr id="5" name="Slide Number Placeholder 4"/>
-          <p:cNvSpPr>
-            <a:spLocks noGrp="1"/>
-          </p:cNvSpPr>
-          <p:nvPr>
-            <p:ph type="sldNum" sz="quarter" idx="12"/>
-          </p:nvPr>
-        </p:nvSpPr>
-        <p:spPr/>
-        <p:txBody>
-          <a:bodyPr/>
-          <a:lstStyle/>
-          <a:p>
-            <a:fld id="{3680D392-614A-43D7-BA76-AB1FFE045AF8}" type="slidenum">
-              <a:rPr lang="en-US" smtClean="0"/>
-              <a:t>7</a:t>
-            </a:fld>
-            <a:endParaRPr lang="en-US" dirty="0"/>
-          </a:p>
-        </p:txBody>
-      </p:sp>
     </p:spTree>
     <p:extLst>
       <p:ext uri="{BB962C8B-B14F-4D97-AF65-F5344CB8AC3E}">
-        <p14:creationId xmlns:p14="http://schemas.microsoft.com/office/powerpoint/2010/main" val="2564373016"/>
+        <p14:creationId xmlns:p14="http://schemas.microsoft.com/office/powerpoint/2010/main" val="4006268919"/>
       </p:ext>
     </p:extLst>
   </p:cSld>
@@ -8990,7 +9361,7 @@
         </p:nvSpPr>
         <p:spPr>
           <a:xfrm>
-            <a:off x="146305" y="137160"/>
+            <a:off x="227633" y="278033"/>
             <a:ext cx="10396882" cy="1151965"/>
           </a:xfrm>
         </p:spPr>
@@ -8998,9 +9369,10 @@
           <a:bodyPr/>
           <a:lstStyle/>
           <a:p>
+            <a:pPr algn="l"/>
             <a:r>
               <a:rPr lang="en-US" dirty="0" smtClean="0"/>
-              <a:t>Splitting data</a:t>
+              <a:t>Un Supervised</a:t>
             </a:r>
             <a:endParaRPr lang="en-US" dirty="0"/>
           </a:p>
@@ -9030,14 +9402,14 @@
         </p:blipFill>
         <p:spPr>
           <a:xfrm>
-            <a:off x="329185" y="1155013"/>
-            <a:ext cx="10394950" cy="746720"/>
+            <a:off x="4517290" y="1494006"/>
+            <a:ext cx="6793993" cy="4028970"/>
           </a:xfrm>
         </p:spPr>
       </p:pic>
       <p:sp>
         <p:nvSpPr>
-          <p:cNvPr id="5" name="Title 1"/>
+          <p:cNvPr id="6" name="Title 1"/>
           <p:cNvSpPr txBox="1">
             <a:spLocks/>
           </p:cNvSpPr>
@@ -9045,8 +9417,8 @@
         </p:nvSpPr>
         <p:spPr>
           <a:xfrm>
-            <a:off x="146305" y="1767621"/>
-            <a:ext cx="10396882" cy="1151965"/>
+            <a:off x="914401" y="1494006"/>
+            <a:ext cx="2633471" cy="1151965"/>
           </a:xfrm>
           <a:prstGeom prst="rect">
             <a:avLst/>
@@ -9078,123 +9450,21 @@
           </a:lstStyle>
           <a:p>
             <a:r>
-              <a:rPr lang="en-US" dirty="0" smtClean="0"/>
-              <a:t>Feature determination (selection)</a:t>
-            </a:r>
-            <a:endParaRPr lang="en-US" dirty="0"/>
-          </a:p>
-        </p:txBody>
-      </p:sp>
-      <p:pic>
-        <p:nvPicPr>
-          <p:cNvPr id="6" name="Content Placeholder 3"/>
-          <p:cNvPicPr>
-            <a:picLocks noChangeAspect="1"/>
-          </p:cNvPicPr>
-          <p:nvPr/>
-        </p:nvPicPr>
-        <p:blipFill>
-          <a:blip r:embed="rId3">
-            <a:extLst>
-              <a:ext uri="{28A0092B-C50C-407E-A947-70E740481C1C}">
-                <a14:useLocalDpi xmlns:a14="http://schemas.microsoft.com/office/drawing/2010/main" val="0"/>
-              </a:ext>
-            </a:extLst>
-          </a:blip>
-          <a:stretch>
-            <a:fillRect/>
-          </a:stretch>
-        </p:blipFill>
-        <p:spPr>
-          <a:xfrm>
-            <a:off x="329185" y="2666821"/>
-            <a:ext cx="8192643" cy="1594283"/>
-          </a:xfrm>
-          <a:prstGeom prst="rect">
-            <a:avLst/>
-          </a:prstGeom>
-        </p:spPr>
-      </p:pic>
-      <p:sp>
-        <p:nvSpPr>
-          <p:cNvPr id="8" name="Title 1"/>
-          <p:cNvSpPr txBox="1">
-            <a:spLocks/>
-          </p:cNvSpPr>
-          <p:nvPr/>
-        </p:nvSpPr>
-        <p:spPr>
-          <a:xfrm>
-            <a:off x="146305" y="4132869"/>
-            <a:ext cx="10396882" cy="1151965"/>
-          </a:xfrm>
-          <a:prstGeom prst="rect">
-            <a:avLst/>
-          </a:prstGeom>
-        </p:spPr>
-        <p:txBody>
-          <a:bodyPr vert="horz" lIns="91440" tIns="45720" rIns="91440" bIns="45720" rtlCol="0" anchor="ctr">
-            <a:normAutofit/>
-          </a:bodyPr>
-          <a:lstStyle>
-            <a:lvl1pPr algn="l" defTabSz="914400" rtl="0" eaLnBrk="1" latinLnBrk="0" hangingPunct="1">
-              <a:lnSpc>
-                <a:spcPct val="90000"/>
-              </a:lnSpc>
-              <a:spcBef>
-                <a:spcPct val="0"/>
-              </a:spcBef>
-              <a:buNone/>
-              <a:defRPr sz="5400" kern="1200" cap="all" baseline="0">
+              <a:rPr lang="en-US" dirty="0" smtClean="0">
                 <a:solidFill>
-                  <a:schemeClr val="accent1"/>
+                  <a:schemeClr val="tx1"/>
                 </a:solidFill>
-                <a:effectLst/>
-                <a:latin typeface="+mj-lt"/>
-                <a:ea typeface="+mj-ea"/>
-                <a:cs typeface="+mj-cs"/>
-              </a:defRPr>
-            </a:lvl1pPr>
-          </a:lstStyle>
-          <a:p>
-            <a:r>
-              <a:rPr lang="en-US" dirty="0" smtClean="0"/>
-              <a:t>Feature scaling</a:t>
-            </a:r>
-            <a:endParaRPr lang="en-US" dirty="0"/>
-          </a:p>
-        </p:txBody>
-      </p:sp>
-      <p:pic>
-        <p:nvPicPr>
-          <p:cNvPr id="9" name="Picture 8"/>
-          <p:cNvPicPr>
-            <a:picLocks noChangeAspect="1"/>
-          </p:cNvPicPr>
-          <p:nvPr/>
-        </p:nvPicPr>
-        <p:blipFill>
-          <a:blip r:embed="rId4">
-            <a:extLst>
-              <a:ext uri="{28A0092B-C50C-407E-A947-70E740481C1C}">
-                <a14:useLocalDpi xmlns:a14="http://schemas.microsoft.com/office/drawing/2010/main" val="0"/>
-              </a:ext>
-            </a:extLst>
-          </a:blip>
-          <a:stretch>
-            <a:fillRect/>
-          </a:stretch>
-        </p:blipFill>
-        <p:spPr>
-          <a:xfrm>
-            <a:off x="5094859" y="4446357"/>
-            <a:ext cx="6373114" cy="1476581"/>
-          </a:xfrm>
-          <a:prstGeom prst="rect">
-            <a:avLst/>
-          </a:prstGeom>
-        </p:spPr>
-      </p:pic>
+              </a:rPr>
+              <a:t>cluster</a:t>
+            </a:r>
+            <a:endParaRPr lang="en-US" dirty="0">
+              <a:solidFill>
+                <a:schemeClr val="tx1"/>
+              </a:solidFill>
+            </a:endParaRPr>
+          </a:p>
+        </p:txBody>
+      </p:sp>
       <p:sp>
         <p:nvSpPr>
           <p:cNvPr id="3" name="Footer Placeholder 2"/>
@@ -9244,7 +9514,7 @@
     </p:spTree>
     <p:extLst>
       <p:ext uri="{BB962C8B-B14F-4D97-AF65-F5344CB8AC3E}">
-        <p14:creationId xmlns:p14="http://schemas.microsoft.com/office/powerpoint/2010/main" val="1222214474"/>
+        <p14:creationId xmlns:p14="http://schemas.microsoft.com/office/powerpoint/2010/main" val="2056873389"/>
       </p:ext>
     </p:extLst>
   </p:cSld>
@@ -9290,7 +9560,7 @@
         </p:nvSpPr>
         <p:spPr>
           <a:xfrm>
-            <a:off x="263106" y="197219"/>
+            <a:off x="310897" y="210312"/>
             <a:ext cx="10396882" cy="1151965"/>
           </a:xfrm>
         </p:spPr>
@@ -9298,21 +9568,23 @@
           <a:bodyPr/>
           <a:lstStyle/>
           <a:p>
-            <a:pPr algn="l"/>
-            <a:r>
-              <a:rPr lang="en-US" dirty="0"/>
-              <a:t>Evaluation Metrics</a:t>
-            </a:r>
+            <a:r>
+              <a:rPr lang="en-US" cap="none" dirty="0" smtClean="0"/>
+              <a:t>Steps Of Machine Learning</a:t>
+            </a:r>
+            <a:endParaRPr lang="en-US" cap="none" dirty="0"/>
           </a:p>
         </p:txBody>
       </p:sp>
       <p:pic>
         <p:nvPicPr>
-          <p:cNvPr id="5" name="Picture 4"/>
+          <p:cNvPr id="4" name="Content Placeholder 3"/>
           <p:cNvPicPr>
-            <a:picLocks noChangeAspect="1"/>
+            <a:picLocks noGrp="1" noChangeAspect="1"/>
           </p:cNvPicPr>
-          <p:nvPr/>
+          <p:nvPr>
+            <p:ph sz="quarter" idx="13"/>
+          </p:nvPr>
         </p:nvPicPr>
         <p:blipFill>
           <a:blip r:embed="rId2">
@@ -9328,12 +9600,9 @@
         </p:blipFill>
         <p:spPr>
           <a:xfrm>
-            <a:off x="263106" y="1349184"/>
-            <a:ext cx="11430000" cy="5060759"/>
-          </a:xfrm>
-          <a:prstGeom prst="rect">
-            <a:avLst/>
-          </a:prstGeom>
+            <a:off x="2724990" y="1362277"/>
+            <a:ext cx="5221224" cy="4197275"/>
+          </a:xfrm>
         </p:spPr>
       </p:pic>
       <p:sp>
@@ -9361,7 +9630,7 @@
       </p:sp>
       <p:sp>
         <p:nvSpPr>
-          <p:cNvPr id="4" name="Slide Number Placeholder 3"/>
+          <p:cNvPr id="5" name="Slide Number Placeholder 4"/>
           <p:cNvSpPr>
             <a:spLocks noGrp="1"/>
           </p:cNvSpPr>
@@ -9385,7 +9654,7 @@
     </p:spTree>
     <p:extLst>
       <p:ext uri="{BB962C8B-B14F-4D97-AF65-F5344CB8AC3E}">
-        <p14:creationId xmlns:p14="http://schemas.microsoft.com/office/powerpoint/2010/main" val="808621915"/>
+        <p14:creationId xmlns:p14="http://schemas.microsoft.com/office/powerpoint/2010/main" val="2564373016"/>
       </p:ext>
     </p:extLst>
   </p:cSld>
